--- a/DataWarehouse_2020_chieu_nhom15.pptx
+++ b/DataWarehouse_2020_chieu_nhom15.pptx
@@ -7374,7 +7374,7 @@
             <p:ph idx="1"/>
             <p:extLst>
               <p:ext uri="{D42A27DB-BD31-4B8C-83A1-F6EECF244321}">
-                <p14:modId xmlns:p14="http://schemas.microsoft.com/office/powerpoint/2010/main" val="3664507440"/>
+                <p14:modId xmlns:p14="http://schemas.microsoft.com/office/powerpoint/2010/main" val="1223469397"/>
               </p:ext>
             </p:extLst>
           </p:nvPr>
@@ -7824,11 +7824,15 @@
                       </a:r>
                       <a:r>
                         <a:rPr lang="en-US" baseline="0" dirty="0" smtClean="0"/>
-                        <a:t> from Local to </a:t>
+                        <a:t> from Local </a:t>
                       </a:r>
                       <a:r>
-                        <a:rPr lang="en-US" baseline="0" dirty="0" err="1" smtClean="0"/>
-                        <a:t>Stagging</a:t>
+                        <a:rPr lang="en-US" baseline="0" smtClean="0"/>
+                        <a:t>to </a:t>
+                      </a:r>
+                      <a:r>
+                        <a:rPr lang="en-US" baseline="0" smtClean="0"/>
+                        <a:t>Staging</a:t>
                       </a:r>
                       <a:endParaRPr lang="en-US" dirty="0"/>
                     </a:p>
@@ -7944,12 +7948,12 @@
                         <a:t>Load from </a:t>
                       </a:r>
                       <a:r>
-                        <a:rPr lang="en-US" dirty="0" err="1" smtClean="0"/>
-                        <a:t>Stagging</a:t>
+                        <a:rPr lang="en-US" dirty="0" smtClean="0"/>
+                        <a:t>Staging </a:t>
                       </a:r>
                       <a:r>
                         <a:rPr lang="en-US" dirty="0" smtClean="0"/>
-                        <a:t> to DW</a:t>
+                        <a:t>to DW</a:t>
                       </a:r>
                       <a:endParaRPr lang="en-US" dirty="0"/>
                     </a:p>

--- a/DataWarehouse_2020_chieu_nhom15.pptx
+++ b/DataWarehouse_2020_chieu_nhom15.pptx
@@ -5,10 +5,10 @@
     <p:sldMasterId id="2147483780" r:id="rId1"/>
   </p:sldMasterIdLst>
   <p:notesMasterIdLst>
-    <p:notesMasterId r:id="rId7"/>
+    <p:notesMasterId r:id="rId8"/>
   </p:notesMasterIdLst>
   <p:handoutMasterIdLst>
-    <p:handoutMasterId r:id="rId8"/>
+    <p:handoutMasterId r:id="rId9"/>
   </p:handoutMasterIdLst>
   <p:sldIdLst>
     <p:sldId id="256" r:id="rId2"/>
@@ -16,6 +16,7 @@
     <p:sldId id="257" r:id="rId4"/>
     <p:sldId id="258" r:id="rId5"/>
     <p:sldId id="259" r:id="rId6"/>
+    <p:sldId id="261" r:id="rId7"/>
   </p:sldIdLst>
   <p:sldSz cx="9144000" cy="6858000" type="screen4x3"/>
   <p:notesSz cx="6858000" cy="9144000"/>
@@ -128,6 +129,7 @@
             <p14:sldId id="257"/>
             <p14:sldId id="258"/>
             <p14:sldId id="259"/>
+            <p14:sldId id="261"/>
           </p14:sldIdLst>
         </p14:section>
       </p14:sectionLst>
@@ -1414,7 +1416,7 @@
           </a:ln>
           <a:extLst>
             <a:ext uri="{91240B29-F687-4f45-9708-019B960494DF}">
-              <a14:hiddenLine xmlns:a14="http://schemas.microsoft.com/office/drawing/2010/main" xmlns="" w="9525">
+              <a14:hiddenLine xmlns="" xmlns:a14="http://schemas.microsoft.com/office/drawing/2010/main" w="9525">
                 <a:solidFill>
                   <a:srgbClr val="000000"/>
                 </a:solidFill>
@@ -1469,7 +1471,7 @@
           </a:ln>
           <a:extLst>
             <a:ext uri="{91240B29-F687-4f45-9708-019B960494DF}">
-              <a14:hiddenLine xmlns:a14="http://schemas.microsoft.com/office/drawing/2010/main" xmlns="" w="9525">
+              <a14:hiddenLine xmlns="" xmlns:a14="http://schemas.microsoft.com/office/drawing/2010/main" w="9525">
                 <a:solidFill>
                   <a:srgbClr val="000000"/>
                 </a:solidFill>
@@ -7257,29 +7259,6 @@
           </a:p>
         </p:txBody>
       </p:sp>
-      <p:sp>
-        <p:nvSpPr>
-          <p:cNvPr id="18" name="Slide Number Placeholder 17"/>
-          <p:cNvSpPr>
-            <a:spLocks noGrp="1"/>
-          </p:cNvSpPr>
-          <p:nvPr>
-            <p:ph type="sldNum" sz="quarter" idx="12"/>
-          </p:nvPr>
-        </p:nvSpPr>
-        <p:spPr/>
-        <p:txBody>
-          <a:bodyPr/>
-          <a:lstStyle/>
-          <a:p>
-            <a:fld id="{FD761469-6D25-4321-9071-B088DAB7493E}" type="slidenum">
-              <a:rPr lang="en-US" smtClean="0"/>
-              <a:t>1</a:t>
-            </a:fld>
-            <a:endParaRPr lang="en-US"/>
-          </a:p>
-        </p:txBody>
-      </p:sp>
     </p:spTree>
     <p:extLst>
       <p:ext uri="{BB962C8B-B14F-4D97-AF65-F5344CB8AC3E}">
@@ -7828,11 +7807,7 @@
                       </a:r>
                       <a:r>
                         <a:rPr lang="en-US" baseline="0" smtClean="0"/>
-                        <a:t>to </a:t>
-                      </a:r>
-                      <a:r>
-                        <a:rPr lang="en-US" baseline="0" smtClean="0"/>
-                        <a:t>Staging</a:t>
+                        <a:t>to Staging</a:t>
                       </a:r>
                       <a:endParaRPr lang="en-US" dirty="0"/>
                     </a:p>
@@ -7945,15 +7920,7 @@
                     <a:p>
                       <a:r>
                         <a:rPr lang="en-US" dirty="0" smtClean="0"/>
-                        <a:t>Load from </a:t>
-                      </a:r>
-                      <a:r>
-                        <a:rPr lang="en-US" dirty="0" smtClean="0"/>
-                        <a:t>Staging </a:t>
-                      </a:r>
-                      <a:r>
-                        <a:rPr lang="en-US" dirty="0" smtClean="0"/>
-                        <a:t>to DW</a:t>
+                        <a:t>Load from Staging to DW</a:t>
                       </a:r>
                       <a:endParaRPr lang="en-US" dirty="0"/>
                     </a:p>
@@ -8021,6 +7988,13 @@
   <p:clrMapOvr>
     <a:masterClrMapping/>
   </p:clrMapOvr>
+  <p:timing>
+    <p:tnLst>
+      <p:par>
+        <p:cTn id="1" dur="indefinite" restart="never" nodeType="tmRoot"/>
+      </p:par>
+    </p:tnLst>
+  </p:timing>
 </p:sld>
 </file>
 
@@ -8225,8 +8199,8 @@
         </p:nvSpPr>
         <p:spPr>
           <a:xfrm>
-            <a:off x="228600" y="106680"/>
-            <a:ext cx="2343655" cy="584775"/>
+            <a:off x="228600" y="20827"/>
+            <a:ext cx="2998257" cy="707886"/>
           </a:xfrm>
           <a:prstGeom prst="rect">
             <a:avLst/>
@@ -8240,9 +8214,9 @@
           <a:lstStyle/>
           <a:p>
             <a:r>
-              <a:rPr lang="en-US" sz="3200" dirty="0">
-                <a:latin typeface="Times New Roman" pitchFamily="18" charset="0"/>
-                <a:cs typeface="Times New Roman" pitchFamily="18" charset="0"/>
+              <a:rPr lang="en-US" sz="4000" dirty="0">
+                <a:latin typeface="Arial" panose="020B0604020202020204" pitchFamily="34" charset="0"/>
+                <a:cs typeface="Arial" panose="020B0604020202020204" pitchFamily="34" charset="0"/>
               </a:rPr>
               <a:t>2. Work flow</a:t>
             </a:r>
@@ -8257,8 +8231,8 @@
         </p:nvSpPr>
         <p:spPr>
           <a:xfrm>
-            <a:off x="914400" y="712791"/>
-            <a:ext cx="3724096" cy="369332"/>
+            <a:off x="304800" y="728713"/>
+            <a:ext cx="6162264" cy="523220"/>
           </a:xfrm>
           <a:prstGeom prst="rect">
             <a:avLst/>
@@ -8272,15 +8246,15 @@
           <a:lstStyle/>
           <a:p>
             <a:r>
-              <a:rPr lang="en-US" dirty="0" smtClean="0">
-                <a:latin typeface="Times New Roman" pitchFamily="18" charset="0"/>
-                <a:cs typeface="Times New Roman" pitchFamily="18" charset="0"/>
+              <a:rPr lang="en-US" sz="2800" dirty="0" smtClean="0">
+                <a:latin typeface="Arial" panose="020B0604020202020204" pitchFamily="34" charset="0"/>
+                <a:cs typeface="Arial" panose="020B0604020202020204" pitchFamily="34" charset="0"/>
               </a:rPr>
               <a:t>2.1 Download file from Server Source</a:t>
             </a:r>
-            <a:endParaRPr lang="en-US" dirty="0">
-              <a:latin typeface="Times New Roman" pitchFamily="18" charset="0"/>
-              <a:cs typeface="Times New Roman" pitchFamily="18" charset="0"/>
+            <a:endParaRPr lang="en-US" sz="2800" dirty="0">
+              <a:latin typeface="Arial" panose="020B0604020202020204" pitchFamily="34" charset="0"/>
+              <a:cs typeface="Arial" panose="020B0604020202020204" pitchFamily="34" charset="0"/>
             </a:endParaRPr>
           </a:p>
         </p:txBody>
@@ -8308,6 +8282,47 @@
           </a:p>
         </p:txBody>
       </p:sp>
+      <p:pic>
+        <p:nvPicPr>
+          <p:cNvPr id="2050" name="Picture 2" descr="https://scontent.fdad2-1.fna.fbcdn.net/v/t1.15752-9/106194388_902699696908319_4167008861102120104_n.png?_nc_cat=108&amp;_nc_sid=b96e70&amp;_nc_oc=AQlz8_oXGNhl6mMzoRr9tW3kUfvc1_SUlC7it-OCH375dSGc6GtKTm3dOuQzzYrk-m-uS0is2tAyUhJT_FsLbm-L&amp;_nc_ht=scontent.fdad2-1.fna&amp;oh=41329d18e8ce85cbc6ac1625e14f75b3&amp;oe=5F1D45F4"/>
+          <p:cNvPicPr>
+            <a:picLocks noChangeAspect="1" noChangeArrowheads="1"/>
+          </p:cNvPicPr>
+          <p:nvPr/>
+        </p:nvPicPr>
+        <p:blipFill>
+          <a:blip r:embed="rId3">
+            <a:extLst>
+              <a:ext uri="{28A0092B-C50C-407E-A947-70E740481C1C}">
+                <a14:useLocalDpi xmlns:a14="http://schemas.microsoft.com/office/drawing/2010/main" val="0"/>
+              </a:ext>
+            </a:extLst>
+          </a:blip>
+          <a:srcRect/>
+          <a:stretch>
+            <a:fillRect/>
+          </a:stretch>
+        </p:blipFill>
+        <p:spPr bwMode="auto">
+          <a:xfrm>
+            <a:off x="762000" y="1318460"/>
+            <a:ext cx="7643931" cy="5310940"/>
+          </a:xfrm>
+          <a:prstGeom prst="rect">
+            <a:avLst/>
+          </a:prstGeom>
+          <a:noFill/>
+          <a:extLst>
+            <a:ext uri="{909E8E84-426E-40DD-AFC4-6F175D3DCCD1}">
+              <a14:hiddenFill xmlns:a14="http://schemas.microsoft.com/office/drawing/2010/main">
+                <a:solidFill>
+                  <a:srgbClr val="FFFFFF"/>
+                </a:solidFill>
+              </a14:hiddenFill>
+            </a:ext>
+          </a:extLst>
+        </p:spPr>
+      </p:pic>
     </p:spTree>
     <p:extLst>
       <p:ext uri="{BB962C8B-B14F-4D97-AF65-F5344CB8AC3E}">
@@ -8353,8 +8368,8 @@
         </p:nvSpPr>
         <p:spPr>
           <a:xfrm>
-            <a:off x="533399" y="304800"/>
-            <a:ext cx="3185487" cy="369332"/>
+            <a:off x="381000" y="304800"/>
+            <a:ext cx="5384807" cy="523220"/>
           </a:xfrm>
           <a:prstGeom prst="rect">
             <a:avLst/>
@@ -8368,15 +8383,15 @@
           <a:lstStyle/>
           <a:p>
             <a:r>
-              <a:rPr lang="en-US" dirty="0" smtClean="0">
-                <a:latin typeface="Times New Roman" pitchFamily="18" charset="0"/>
-                <a:cs typeface="Times New Roman" pitchFamily="18" charset="0"/>
+              <a:rPr lang="en-US" sz="2800" dirty="0" smtClean="0">
+                <a:latin typeface="Arial" panose="020B0604020202020204" pitchFamily="34" charset="0"/>
+                <a:cs typeface="Arial" panose="020B0604020202020204" pitchFamily="34" charset="0"/>
               </a:rPr>
               <a:t>2.2 Load file to database staging</a:t>
             </a:r>
-            <a:endParaRPr lang="en-US" dirty="0">
-              <a:latin typeface="Times New Roman" pitchFamily="18" charset="0"/>
-              <a:cs typeface="Times New Roman" pitchFamily="18" charset="0"/>
+            <a:endParaRPr lang="en-US" sz="2800" dirty="0">
+              <a:latin typeface="Arial" panose="020B0604020202020204" pitchFamily="34" charset="0"/>
+              <a:cs typeface="Arial" panose="020B0604020202020204" pitchFamily="34" charset="0"/>
             </a:endParaRPr>
           </a:p>
         </p:txBody>
@@ -8404,10 +8419,172 @@
           </a:p>
         </p:txBody>
       </p:sp>
+      <p:pic>
+        <p:nvPicPr>
+          <p:cNvPr id="1026" name="Picture 2" descr="https://scontent.fvca1-2.fna.fbcdn.net/v/t1.15752-9/105886571_713642579451591_4577361895435123020_n.png?_nc_cat=100&amp;_nc_sid=b96e70&amp;_nc_oc=AQmvtPwhEYb2QpMhy7kckeeskRYMy46ggCSfkXxzy951JcPacOlv5w0IqgqalleqYhGo6PZTgr4Pl-BsRsNAU9uX&amp;_nc_ht=scontent.fvca1-2.fna&amp;oh=9c9920805ffcff00f53705697352ddf2&amp;oe=5F1F609F"/>
+          <p:cNvPicPr>
+            <a:picLocks noChangeAspect="1" noChangeArrowheads="1"/>
+          </p:cNvPicPr>
+          <p:nvPr/>
+        </p:nvPicPr>
+        <p:blipFill>
+          <a:blip r:embed="rId2">
+            <a:extLst>
+              <a:ext uri="{28A0092B-C50C-407E-A947-70E740481C1C}">
+                <a14:useLocalDpi xmlns:a14="http://schemas.microsoft.com/office/drawing/2010/main" val="0"/>
+              </a:ext>
+            </a:extLst>
+          </a:blip>
+          <a:srcRect/>
+          <a:stretch>
+            <a:fillRect/>
+          </a:stretch>
+        </p:blipFill>
+        <p:spPr bwMode="auto">
+          <a:xfrm>
+            <a:off x="381000" y="1219200"/>
+            <a:ext cx="8307742" cy="4572000"/>
+          </a:xfrm>
+          <a:prstGeom prst="rect">
+            <a:avLst/>
+          </a:prstGeom>
+          <a:noFill/>
+          <a:extLst>
+            <a:ext uri="{909E8E84-426E-40DD-AFC4-6F175D3DCCD1}">
+              <a14:hiddenFill xmlns:a14="http://schemas.microsoft.com/office/drawing/2010/main">
+                <a:solidFill>
+                  <a:srgbClr val="FFFFFF"/>
+                </a:solidFill>
+              </a14:hiddenFill>
+            </a:ext>
+          </a:extLst>
+        </p:spPr>
+      </p:pic>
     </p:spTree>
     <p:extLst>
       <p:ext uri="{BB962C8B-B14F-4D97-AF65-F5344CB8AC3E}">
         <p14:creationId xmlns:p14="http://schemas.microsoft.com/office/powerpoint/2010/main" val="1792024597"/>
+      </p:ext>
+    </p:extLst>
+  </p:cSld>
+  <p:clrMapOvr>
+    <a:masterClrMapping/>
+  </p:clrMapOvr>
+  <p:timing>
+    <p:tnLst>
+      <p:par>
+        <p:cTn id="1" dur="indefinite" restart="never" nodeType="tmRoot"/>
+      </p:par>
+    </p:tnLst>
+  </p:timing>
+</p:sld>
+</file>
+
+<file path=ppt/slides/slide6.xml><?xml version="1.0" encoding="utf-8"?>
+<p:sld xmlns:a="http://schemas.openxmlformats.org/drawingml/2006/main" xmlns:r="http://schemas.openxmlformats.org/officeDocument/2006/relationships" xmlns:p="http://schemas.openxmlformats.org/presentationml/2006/main">
+  <p:cSld>
+    <p:spTree>
+      <p:nvGrpSpPr>
+        <p:cNvPr id="1" name=""/>
+        <p:cNvGrpSpPr/>
+        <p:nvPr/>
+      </p:nvGrpSpPr>
+      <p:grpSpPr>
+        <a:xfrm>
+          <a:off x="0" y="0"/>
+          <a:ext cx="0" cy="0"/>
+          <a:chOff x="0" y="0"/>
+          <a:chExt cx="0" cy="0"/>
+        </a:xfrm>
+      </p:grpSpPr>
+      <p:sp>
+        <p:nvSpPr>
+          <p:cNvPr id="2" name="Title 1"/>
+          <p:cNvSpPr>
+            <a:spLocks noGrp="1"/>
+          </p:cNvSpPr>
+          <p:nvPr>
+            <p:ph type="title"/>
+          </p:nvPr>
+        </p:nvSpPr>
+        <p:spPr>
+          <a:xfrm>
+            <a:off x="381000" y="304800"/>
+            <a:ext cx="5342467" cy="533400"/>
+          </a:xfrm>
+        </p:spPr>
+        <p:txBody>
+          <a:bodyPr>
+            <a:noAutofit/>
+          </a:bodyPr>
+          <a:lstStyle/>
+          <a:p>
+            <a:pPr algn="l"/>
+            <a:r>
+              <a:rPr lang="en-US" sz="2800" dirty="0" smtClean="0">
+                <a:latin typeface="Arial" panose="020B0604020202020204" pitchFamily="34" charset="0"/>
+                <a:cs typeface="Arial" panose="020B0604020202020204" pitchFamily="34" charset="0"/>
+              </a:rPr>
+              <a:t>2.3 Load file to Data Warehouse</a:t>
+            </a:r>
+            <a:endParaRPr lang="en-US" sz="2800" dirty="0">
+              <a:latin typeface="Arial" panose="020B0604020202020204" pitchFamily="34" charset="0"/>
+              <a:cs typeface="Arial" panose="020B0604020202020204" pitchFamily="34" charset="0"/>
+            </a:endParaRPr>
+          </a:p>
+        </p:txBody>
+      </p:sp>
+      <p:sp>
+        <p:nvSpPr>
+          <p:cNvPr id="4" name="Slide Number Placeholder 3"/>
+          <p:cNvSpPr>
+            <a:spLocks noGrp="1"/>
+          </p:cNvSpPr>
+          <p:nvPr>
+            <p:ph type="sldNum" sz="quarter" idx="12"/>
+          </p:nvPr>
+        </p:nvSpPr>
+        <p:spPr/>
+        <p:txBody>
+          <a:bodyPr/>
+          <a:lstStyle/>
+          <a:p>
+            <a:fld id="{FD761469-6D25-4321-9071-B088DAB7493E}" type="slidenum">
+              <a:rPr lang="en-US" smtClean="0"/>
+              <a:t>6</a:t>
+            </a:fld>
+            <a:endParaRPr lang="en-US"/>
+          </a:p>
+        </p:txBody>
+      </p:sp>
+      <p:pic>
+        <p:nvPicPr>
+          <p:cNvPr id="5" name="Picture 4"/>
+          <p:cNvPicPr>
+            <a:picLocks noChangeAspect="1"/>
+          </p:cNvPicPr>
+          <p:nvPr/>
+        </p:nvPicPr>
+        <p:blipFill>
+          <a:blip r:embed="rId2"/>
+          <a:stretch>
+            <a:fillRect/>
+          </a:stretch>
+        </p:blipFill>
+        <p:spPr>
+          <a:xfrm>
+            <a:off x="1447800" y="838200"/>
+            <a:ext cx="5943600" cy="5769665"/>
+          </a:xfrm>
+          <a:prstGeom prst="rect">
+            <a:avLst/>
+          </a:prstGeom>
+        </p:spPr>
+      </p:pic>
+    </p:spTree>
+    <p:extLst>
+      <p:ext uri="{BB962C8B-B14F-4D97-AF65-F5344CB8AC3E}">
+        <p14:creationId xmlns:p14="http://schemas.microsoft.com/office/powerpoint/2010/main" val="14995623"/>
       </p:ext>
     </p:extLst>
   </p:cSld>

--- a/DataWarehouse_2020_chieu_nhom15.pptx
+++ b/DataWarehouse_2020_chieu_nhom15.pptx
@@ -782,7 +782,7 @@
           <a:bodyPr/>
           <a:lstStyle/>
           <a:p>
-            <a:endParaRPr lang="en-US" dirty="0"/>
+            <a:endParaRPr lang="en-US"/>
           </a:p>
         </p:txBody>
       </p:sp>
@@ -1416,7 +1416,7 @@
           </a:ln>
           <a:extLst>
             <a:ext uri="{91240B29-F687-4f45-9708-019B960494DF}">
-              <a14:hiddenLine xmlns="" xmlns:a14="http://schemas.microsoft.com/office/drawing/2010/main" w="9525">
+              <a14:hiddenLine xmlns:a14="http://schemas.microsoft.com/office/drawing/2010/main" xmlns="" w="9525">
                 <a:solidFill>
                   <a:srgbClr val="000000"/>
                 </a:solidFill>
@@ -1471,7 +1471,7 @@
           </a:ln>
           <a:extLst>
             <a:ext uri="{91240B29-F687-4f45-9708-019B960494DF}">
-              <a14:hiddenLine xmlns="" xmlns:a14="http://schemas.microsoft.com/office/drawing/2010/main" w="9525">
+              <a14:hiddenLine xmlns:a14="http://schemas.microsoft.com/office/drawing/2010/main" xmlns="" w="9525">
                 <a:solidFill>
                   <a:srgbClr val="000000"/>
                 </a:solidFill>
@@ -1638,7 +1638,7 @@
               <a:rPr lang="en-US" smtClean="0"/>
               <a:t>Click icon to add picture</a:t>
             </a:r>
-            <a:endParaRPr lang="en-US" dirty="0"/>
+            <a:endParaRPr lang="en-US"/>
           </a:p>
         </p:txBody>
       </p:sp>
@@ -2159,7 +2159,7 @@
           <a:p>
             <a:pPr lvl="0"/>
             <a:r>
-              <a:rPr lang="en-US" sz="8000" dirty="0">
+              <a:rPr lang="en-US" sz="8000">
                 <a:solidFill>
                   <a:schemeClr val="tx1"/>
                 </a:solidFill>
@@ -2275,7 +2275,7 @@
           <a:p>
             <a:pPr lvl="0" algn="r"/>
             <a:r>
-              <a:rPr lang="en-US" sz="8000" dirty="0">
+              <a:rPr lang="en-US" sz="8000">
                 <a:solidFill>
                   <a:schemeClr val="tx1"/>
                 </a:solidFill>
@@ -2949,7 +2949,7 @@
           <a:p>
             <a:pPr lvl="0"/>
             <a:r>
-              <a:rPr lang="en-US" sz="8000" dirty="0">
+              <a:rPr lang="en-US" sz="8000">
                 <a:solidFill>
                   <a:schemeClr val="tx1"/>
                 </a:solidFill>
@@ -3065,7 +3065,7 @@
           <a:p>
             <a:pPr lvl="0" algn="r"/>
             <a:r>
-              <a:rPr lang="en-US" sz="8000" dirty="0">
+              <a:rPr lang="en-US" sz="8000">
                 <a:solidFill>
                   <a:schemeClr val="tx1"/>
                 </a:solidFill>
@@ -5835,7 +5835,7 @@
               <a:rPr lang="en-US" smtClean="0"/>
               <a:t>Click icon to add picture</a:t>
             </a:r>
-            <a:endParaRPr lang="en-US" dirty="0"/>
+            <a:endParaRPr lang="en-US"/>
           </a:p>
         </p:txBody>
       </p:sp>
@@ -7012,7 +7012,7 @@
         <p:spPr>
           <a:xfrm>
             <a:off x="2077942" y="3442018"/>
-            <a:ext cx="4878259" cy="923330"/>
+            <a:ext cx="5532284" cy="923330"/>
           </a:xfrm>
           <a:prstGeom prst="rect">
             <a:avLst/>
@@ -7026,64 +7026,64 @@
           <a:lstStyle/>
           <a:p>
             <a:r>
-              <a:rPr lang="en-US" sz="5400" b="1" dirty="0" err="1" smtClean="0">
-                <a:latin typeface="Times New Roman" pitchFamily="18" charset="0"/>
-                <a:cs typeface="Times New Roman" pitchFamily="18" charset="0"/>
+              <a:rPr lang="en-US" sz="5400" b="1" err="1" smtClean="0">
+                <a:latin typeface="Arial" panose="020B0604020202020204" pitchFamily="34" charset="0"/>
+                <a:cs typeface="Arial" panose="020B0604020202020204" pitchFamily="34" charset="0"/>
               </a:rPr>
               <a:t>Báo</a:t>
             </a:r>
             <a:r>
-              <a:rPr lang="en-US" sz="5400" b="1" dirty="0" smtClean="0">
-                <a:latin typeface="Times New Roman" pitchFamily="18" charset="0"/>
-                <a:cs typeface="Times New Roman" pitchFamily="18" charset="0"/>
+              <a:rPr lang="en-US" sz="5400" b="1" smtClean="0">
+                <a:latin typeface="Arial" panose="020B0604020202020204" pitchFamily="34" charset="0"/>
+                <a:cs typeface="Arial" panose="020B0604020202020204" pitchFamily="34" charset="0"/>
               </a:rPr>
               <a:t> </a:t>
             </a:r>
             <a:r>
-              <a:rPr lang="en-US" sz="5400" b="1" dirty="0" err="1" smtClean="0">
-                <a:latin typeface="Times New Roman" pitchFamily="18" charset="0"/>
-                <a:cs typeface="Times New Roman" pitchFamily="18" charset="0"/>
+              <a:rPr lang="en-US" sz="5400" b="1" err="1" smtClean="0">
+                <a:latin typeface="Arial" panose="020B0604020202020204" pitchFamily="34" charset="0"/>
+                <a:cs typeface="Arial" panose="020B0604020202020204" pitchFamily="34" charset="0"/>
               </a:rPr>
               <a:t>cáo</a:t>
             </a:r>
             <a:r>
-              <a:rPr lang="en-US" sz="5400" b="1" dirty="0" smtClean="0">
-                <a:latin typeface="Times New Roman" pitchFamily="18" charset="0"/>
-                <a:cs typeface="Times New Roman" pitchFamily="18" charset="0"/>
+              <a:rPr lang="en-US" sz="5400" b="1" smtClean="0">
+                <a:latin typeface="Arial" panose="020B0604020202020204" pitchFamily="34" charset="0"/>
+                <a:cs typeface="Arial" panose="020B0604020202020204" pitchFamily="34" charset="0"/>
               </a:rPr>
               <a:t> </a:t>
             </a:r>
             <a:r>
-              <a:rPr lang="en-US" sz="5400" b="1" dirty="0" err="1" smtClean="0">
-                <a:latin typeface="Times New Roman" pitchFamily="18" charset="0"/>
-                <a:cs typeface="Times New Roman" pitchFamily="18" charset="0"/>
+              <a:rPr lang="en-US" sz="5400" b="1" err="1" smtClean="0">
+                <a:latin typeface="Arial" panose="020B0604020202020204" pitchFamily="34" charset="0"/>
+                <a:cs typeface="Arial" panose="020B0604020202020204" pitchFamily="34" charset="0"/>
               </a:rPr>
               <a:t>tiến</a:t>
             </a:r>
             <a:r>
-              <a:rPr lang="en-US" sz="5400" b="1" dirty="0" smtClean="0">
-                <a:latin typeface="Times New Roman" pitchFamily="18" charset="0"/>
-                <a:cs typeface="Times New Roman" pitchFamily="18" charset="0"/>
+              <a:rPr lang="en-US" sz="5400" b="1" smtClean="0">
+                <a:latin typeface="Arial" panose="020B0604020202020204" pitchFamily="34" charset="0"/>
+                <a:cs typeface="Arial" panose="020B0604020202020204" pitchFamily="34" charset="0"/>
               </a:rPr>
               <a:t> </a:t>
             </a:r>
             <a:r>
-              <a:rPr lang="en-US" sz="5400" b="1" dirty="0" err="1" smtClean="0">
-                <a:latin typeface="Times New Roman" pitchFamily="18" charset="0"/>
-                <a:cs typeface="Times New Roman" pitchFamily="18" charset="0"/>
+              <a:rPr lang="en-US" sz="5400" b="1" err="1" smtClean="0">
+                <a:latin typeface="Arial" panose="020B0604020202020204" pitchFamily="34" charset="0"/>
+                <a:cs typeface="Arial" panose="020B0604020202020204" pitchFamily="34" charset="0"/>
               </a:rPr>
               <a:t>độ</a:t>
             </a:r>
             <a:r>
-              <a:rPr lang="en-US" sz="5400" b="1" dirty="0" smtClean="0">
-                <a:latin typeface="Times New Roman" pitchFamily="18" charset="0"/>
-                <a:cs typeface="Times New Roman" pitchFamily="18" charset="0"/>
+              <a:rPr lang="en-US" sz="5400" b="1" smtClean="0">
+                <a:latin typeface="Arial" panose="020B0604020202020204" pitchFamily="34" charset="0"/>
+                <a:cs typeface="Arial" panose="020B0604020202020204" pitchFamily="34" charset="0"/>
               </a:rPr>
               <a:t> </a:t>
             </a:r>
-            <a:endParaRPr lang="en-US" sz="5400" b="1" dirty="0">
-              <a:latin typeface="Times New Roman" pitchFamily="18" charset="0"/>
-              <a:cs typeface="Times New Roman" pitchFamily="18" charset="0"/>
+            <a:endParaRPr lang="en-US" sz="5400" b="1">
+              <a:latin typeface="Arial" panose="020B0604020202020204" pitchFamily="34" charset="0"/>
+              <a:cs typeface="Arial" panose="020B0604020202020204" pitchFamily="34" charset="0"/>
             </a:endParaRPr>
           </a:p>
         </p:txBody>
@@ -7097,7 +7097,7 @@
         <p:spPr>
           <a:xfrm>
             <a:off x="2819298" y="4353580"/>
-            <a:ext cx="3395545" cy="523220"/>
+            <a:ext cx="3770071" cy="523220"/>
           </a:xfrm>
           <a:prstGeom prst="rect">
             <a:avLst/>
@@ -7111,22 +7111,22 @@
           <a:lstStyle/>
           <a:p>
             <a:r>
-              <a:rPr lang="en-US" sz="2800" dirty="0" err="1" smtClean="0">
-                <a:latin typeface="Times New Roman" pitchFamily="18" charset="0"/>
-                <a:cs typeface="Times New Roman" pitchFamily="18" charset="0"/>
+              <a:rPr lang="en-US" sz="2800" err="1" smtClean="0">
+                <a:latin typeface="Arial" panose="020B0604020202020204" pitchFamily="34" charset="0"/>
+                <a:cs typeface="Arial" panose="020B0604020202020204" pitchFamily="34" charset="0"/>
               </a:rPr>
               <a:t>Môn</a:t>
             </a:r>
             <a:r>
-              <a:rPr lang="en-US" sz="2800" dirty="0" smtClean="0">
-                <a:latin typeface="Times New Roman" pitchFamily="18" charset="0"/>
-                <a:cs typeface="Times New Roman" pitchFamily="18" charset="0"/>
+              <a:rPr lang="en-US" sz="2800" smtClean="0">
+                <a:latin typeface="Arial" panose="020B0604020202020204" pitchFamily="34" charset="0"/>
+                <a:cs typeface="Arial" panose="020B0604020202020204" pitchFamily="34" charset="0"/>
               </a:rPr>
               <a:t>: Data Warehouse</a:t>
             </a:r>
-            <a:endParaRPr lang="en-US" sz="2800" dirty="0">
-              <a:latin typeface="Times New Roman" pitchFamily="18" charset="0"/>
-              <a:cs typeface="Times New Roman" pitchFamily="18" charset="0"/>
+            <a:endParaRPr lang="en-US" sz="2800">
+              <a:latin typeface="Arial" panose="020B0604020202020204" pitchFamily="34" charset="0"/>
+              <a:cs typeface="Arial" panose="020B0604020202020204" pitchFamily="34" charset="0"/>
             </a:endParaRPr>
           </a:p>
         </p:txBody>
@@ -7154,55 +7154,55 @@
           <a:lstStyle/>
           <a:p>
             <a:r>
-              <a:rPr lang="en-US" sz="2000" dirty="0" smtClean="0">
+              <a:rPr lang="en-US" sz="2000" smtClean="0">
                 <a:latin typeface="Arial" panose="020B0604020202020204" pitchFamily="34" charset="0"/>
                 <a:cs typeface="Arial" panose="020B0604020202020204" pitchFamily="34" charset="0"/>
               </a:rPr>
               <a:t>GVHD: </a:t>
             </a:r>
             <a:r>
-              <a:rPr lang="en-US" sz="2000" dirty="0" err="1" smtClean="0">
+              <a:rPr lang="en-US" sz="2000" err="1" smtClean="0">
                 <a:latin typeface="Arial" panose="020B0604020202020204" pitchFamily="34" charset="0"/>
                 <a:cs typeface="Arial" panose="020B0604020202020204" pitchFamily="34" charset="0"/>
               </a:rPr>
               <a:t>Nguyễn</a:t>
             </a:r>
             <a:r>
-              <a:rPr lang="en-US" sz="2000" dirty="0" smtClean="0">
+              <a:rPr lang="en-US" sz="2000" smtClean="0">
                 <a:latin typeface="Arial" panose="020B0604020202020204" pitchFamily="34" charset="0"/>
                 <a:cs typeface="Arial" panose="020B0604020202020204" pitchFamily="34" charset="0"/>
               </a:rPr>
               <a:t> </a:t>
             </a:r>
             <a:r>
-              <a:rPr lang="en-US" sz="2000" dirty="0" err="1" smtClean="0">
+              <a:rPr lang="en-US" sz="2000" err="1" smtClean="0">
                 <a:latin typeface="Arial" panose="020B0604020202020204" pitchFamily="34" charset="0"/>
                 <a:cs typeface="Arial" panose="020B0604020202020204" pitchFamily="34" charset="0"/>
               </a:rPr>
               <a:t>Đức</a:t>
             </a:r>
             <a:r>
-              <a:rPr lang="en-US" sz="2000" dirty="0" smtClean="0">
+              <a:rPr lang="en-US" sz="2000" smtClean="0">
                 <a:latin typeface="Arial" panose="020B0604020202020204" pitchFamily="34" charset="0"/>
                 <a:cs typeface="Arial" panose="020B0604020202020204" pitchFamily="34" charset="0"/>
               </a:rPr>
               <a:t> </a:t>
             </a:r>
             <a:r>
-              <a:rPr lang="en-US" sz="2000" dirty="0" err="1" smtClean="0">
+              <a:rPr lang="en-US" sz="2000" err="1" smtClean="0">
                 <a:latin typeface="Arial" panose="020B0604020202020204" pitchFamily="34" charset="0"/>
                 <a:cs typeface="Arial" panose="020B0604020202020204" pitchFamily="34" charset="0"/>
               </a:rPr>
               <a:t>Công</a:t>
             </a:r>
             <a:r>
-              <a:rPr lang="en-US" sz="2000" dirty="0" smtClean="0">
+              <a:rPr lang="en-US" sz="2000" smtClean="0">
                 <a:latin typeface="Arial" panose="020B0604020202020204" pitchFamily="34" charset="0"/>
                 <a:cs typeface="Arial" panose="020B0604020202020204" pitchFamily="34" charset="0"/>
               </a:rPr>
               <a:t> Song</a:t>
             </a:r>
-            <a:endParaRPr lang="en-US" sz="2000" dirty="0">
+            <a:endParaRPr lang="en-US" sz="2000">
               <a:latin typeface="Arial" panose="020B0604020202020204" pitchFamily="34" charset="0"/>
               <a:cs typeface="Arial" panose="020B0604020202020204" pitchFamily="34" charset="0"/>
             </a:endParaRPr>
@@ -7232,27 +7232,27 @@
           <a:lstStyle/>
           <a:p>
             <a:r>
-              <a:rPr lang="en-US" dirty="0" err="1">
+              <a:rPr lang="en-US" err="1">
                 <a:latin typeface="Arial" panose="020B0604020202020204" pitchFamily="34" charset="0"/>
                 <a:cs typeface="Arial" panose="020B0604020202020204" pitchFamily="34" charset="0"/>
               </a:rPr>
               <a:t>Nhóm</a:t>
             </a:r>
             <a:r>
-              <a:rPr lang="en-US" dirty="0">
+              <a:rPr lang="en-US">
                 <a:latin typeface="Arial" panose="020B0604020202020204" pitchFamily="34" charset="0"/>
                 <a:cs typeface="Arial" panose="020B0604020202020204" pitchFamily="34" charset="0"/>
               </a:rPr>
               <a:t>: </a:t>
             </a:r>
             <a:r>
-              <a:rPr lang="en-US" dirty="0" smtClean="0">
+              <a:rPr lang="en-US" smtClean="0">
                 <a:latin typeface="Arial" panose="020B0604020202020204" pitchFamily="34" charset="0"/>
                 <a:cs typeface="Arial" panose="020B0604020202020204" pitchFamily="34" charset="0"/>
               </a:rPr>
               <a:t>15</a:t>
             </a:r>
-            <a:endParaRPr lang="en-US" dirty="0">
+            <a:endParaRPr lang="en-US">
               <a:latin typeface="Arial" panose="020B0604020202020204" pitchFamily="34" charset="0"/>
               <a:cs typeface="Arial" panose="020B0604020202020204" pitchFamily="34" charset="0"/>
             </a:endParaRPr>
@@ -7312,34 +7312,34 @@
           <a:lstStyle/>
           <a:p>
             <a:r>
-              <a:rPr lang="en-US" dirty="0" err="1" smtClean="0"/>
+              <a:rPr lang="en-US" err="1" smtClean="0"/>
               <a:t>Thành</a:t>
             </a:r>
             <a:r>
-              <a:rPr lang="en-US" dirty="0" smtClean="0"/>
+              <a:rPr lang="en-US" smtClean="0"/>
               <a:t> </a:t>
             </a:r>
             <a:r>
-              <a:rPr lang="en-US" dirty="0" err="1" smtClean="0"/>
+              <a:rPr lang="en-US" err="1" smtClean="0"/>
               <a:t>viên</a:t>
             </a:r>
             <a:r>
-              <a:rPr lang="en-US" dirty="0" smtClean="0"/>
+              <a:rPr lang="en-US" smtClean="0"/>
               <a:t> </a:t>
             </a:r>
             <a:r>
-              <a:rPr lang="en-US" dirty="0" err="1" smtClean="0"/>
+              <a:rPr lang="en-US" err="1" smtClean="0"/>
               <a:t>trong</a:t>
             </a:r>
             <a:r>
-              <a:rPr lang="en-US" dirty="0" smtClean="0"/>
+              <a:rPr lang="en-US" smtClean="0"/>
               <a:t> </a:t>
             </a:r>
             <a:r>
-              <a:rPr lang="en-US" dirty="0" err="1" smtClean="0"/>
+              <a:rPr lang="en-US" err="1" smtClean="0"/>
               <a:t>nhóm</a:t>
             </a:r>
-            <a:endParaRPr lang="en-US" dirty="0"/>
+            <a:endParaRPr lang="en-US"/>
           </a:p>
         </p:txBody>
       </p:sp>
@@ -7382,7 +7382,7 @@
                     <a:p>
                       <a:pPr algn="l"/>
                       <a:r>
-                        <a:rPr lang="en-US" dirty="0" smtClean="0">
+                        <a:rPr lang="en-US" smtClean="0">
                           <a:solidFill>
                             <a:schemeClr val="tx1"/>
                           </a:solidFill>
@@ -7391,7 +7391,7 @@
                         </a:rPr>
                         <a:t>MSSV</a:t>
                       </a:r>
-                      <a:endParaRPr lang="en-US" dirty="0">
+                      <a:endParaRPr lang="en-US">
                         <a:solidFill>
                           <a:schemeClr val="tx1"/>
                         </a:solidFill>
@@ -7409,7 +7409,7 @@
                     <a:p>
                       <a:pPr algn="l"/>
                       <a:r>
-                        <a:rPr lang="en-US" dirty="0" err="1" smtClean="0">
+                        <a:rPr lang="en-US" err="1" smtClean="0">
                           <a:solidFill>
                             <a:schemeClr val="tx1"/>
                           </a:solidFill>
@@ -7419,7 +7419,7 @@
                         <a:t>Họ</a:t>
                       </a:r>
                       <a:r>
-                        <a:rPr lang="en-US" baseline="0" dirty="0" smtClean="0">
+                        <a:rPr lang="en-US" baseline="0" smtClean="0">
                           <a:solidFill>
                             <a:schemeClr val="tx1"/>
                           </a:solidFill>
@@ -7429,7 +7429,7 @@
                         <a:t> </a:t>
                       </a:r>
                       <a:r>
-                        <a:rPr lang="en-US" baseline="0" dirty="0" err="1" smtClean="0">
+                        <a:rPr lang="en-US" baseline="0" err="1" smtClean="0">
                           <a:solidFill>
                             <a:schemeClr val="tx1"/>
                           </a:solidFill>
@@ -7439,7 +7439,7 @@
                         <a:t>và</a:t>
                       </a:r>
                       <a:r>
-                        <a:rPr lang="en-US" baseline="0" dirty="0" smtClean="0">
+                        <a:rPr lang="en-US" baseline="0" smtClean="0">
                           <a:solidFill>
                             <a:schemeClr val="tx1"/>
                           </a:solidFill>
@@ -7449,7 +7449,7 @@
                         <a:t> </a:t>
                       </a:r>
                       <a:r>
-                        <a:rPr lang="en-US" baseline="0" dirty="0" err="1" smtClean="0">
+                        <a:rPr lang="en-US" baseline="0" err="1" smtClean="0">
                           <a:solidFill>
                             <a:schemeClr val="tx1"/>
                           </a:solidFill>
@@ -7458,7 +7458,7 @@
                         </a:rPr>
                         <a:t>tên</a:t>
                       </a:r>
-                      <a:endParaRPr lang="en-US" dirty="0">
+                      <a:endParaRPr lang="en-US">
                         <a:solidFill>
                           <a:schemeClr val="tx1"/>
                         </a:solidFill>
@@ -7476,7 +7476,7 @@
                     <a:p>
                       <a:pPr algn="l"/>
                       <a:r>
-                        <a:rPr lang="en-US" dirty="0" err="1" smtClean="0">
+                        <a:rPr lang="en-US" err="1" smtClean="0">
                           <a:solidFill>
                             <a:schemeClr val="tx1"/>
                           </a:solidFill>
@@ -7486,7 +7486,7 @@
                         <a:t>Công</a:t>
                       </a:r>
                       <a:r>
-                        <a:rPr lang="en-US" baseline="0" dirty="0" smtClean="0">
+                        <a:rPr lang="en-US" baseline="0" smtClean="0">
                           <a:solidFill>
                             <a:schemeClr val="tx1"/>
                           </a:solidFill>
@@ -7496,7 +7496,7 @@
                         <a:t> </a:t>
                       </a:r>
                       <a:r>
-                        <a:rPr lang="en-US" baseline="0" dirty="0" err="1" smtClean="0">
+                        <a:rPr lang="en-US" baseline="0" err="1" smtClean="0">
                           <a:solidFill>
                             <a:schemeClr val="tx1"/>
                           </a:solidFill>
@@ -7505,7 +7505,7 @@
                         </a:rPr>
                         <a:t>việc</a:t>
                       </a:r>
-                      <a:endParaRPr lang="en-US" dirty="0">
+                      <a:endParaRPr lang="en-US">
                         <a:solidFill>
                           <a:schemeClr val="tx1"/>
                         </a:solidFill>
@@ -7523,7 +7523,7 @@
                     <a:p>
                       <a:pPr algn="l"/>
                       <a:r>
-                        <a:rPr lang="en-US" dirty="0" smtClean="0">
+                        <a:rPr lang="en-US" smtClean="0">
                           <a:solidFill>
                             <a:schemeClr val="tx1"/>
                           </a:solidFill>
@@ -7532,7 +7532,7 @@
                         </a:rPr>
                         <a:t>Link</a:t>
                       </a:r>
-                      <a:endParaRPr lang="en-US" dirty="0">
+                      <a:endParaRPr lang="en-US">
                         <a:solidFill>
                           <a:schemeClr val="tx1"/>
                         </a:solidFill>
@@ -7552,7 +7552,7 @@
                     <a:p>
                       <a:pPr algn="l"/>
                       <a:r>
-                        <a:rPr lang="en-US" dirty="0" smtClean="0">
+                        <a:rPr lang="en-US" smtClean="0">
                           <a:solidFill>
                             <a:schemeClr val="tx1"/>
                           </a:solidFill>
@@ -7561,7 +7561,7 @@
                         </a:rPr>
                         <a:t>17130181</a:t>
                       </a:r>
-                      <a:endParaRPr lang="en-US" dirty="0">
+                      <a:endParaRPr lang="en-US">
                         <a:solidFill>
                           <a:schemeClr val="tx1"/>
                         </a:solidFill>
@@ -7579,7 +7579,7 @@
                     <a:p>
                       <a:pPr algn="l"/>
                       <a:r>
-                        <a:rPr lang="en-US" dirty="0" err="1" smtClean="0">
+                        <a:rPr lang="en-US" err="1" smtClean="0">
                           <a:solidFill>
                             <a:schemeClr val="tx1"/>
                           </a:solidFill>
@@ -7589,7 +7589,7 @@
                         <a:t>Phạm</a:t>
                       </a:r>
                       <a:r>
-                        <a:rPr lang="en-US" baseline="0" dirty="0" smtClean="0">
+                        <a:rPr lang="en-US" baseline="0" smtClean="0">
                           <a:solidFill>
                             <a:schemeClr val="tx1"/>
                           </a:solidFill>
@@ -7599,7 +7599,7 @@
                         <a:t> </a:t>
                       </a:r>
                       <a:r>
-                        <a:rPr lang="en-US" baseline="0" dirty="0" err="1" smtClean="0">
+                        <a:rPr lang="en-US" baseline="0" err="1" smtClean="0">
                           <a:solidFill>
                             <a:schemeClr val="tx1"/>
                           </a:solidFill>
@@ -7609,7 +7609,7 @@
                         <a:t>Văn</a:t>
                       </a:r>
                       <a:r>
-                        <a:rPr lang="en-US" baseline="0" dirty="0" smtClean="0">
+                        <a:rPr lang="en-US" baseline="0" smtClean="0">
                           <a:solidFill>
                             <a:schemeClr val="tx1"/>
                           </a:solidFill>
@@ -7619,7 +7619,7 @@
                         <a:t> </a:t>
                       </a:r>
                       <a:r>
-                        <a:rPr lang="en-US" baseline="0" dirty="0" err="1" smtClean="0">
+                        <a:rPr lang="en-US" baseline="0" err="1" smtClean="0">
                           <a:solidFill>
                             <a:schemeClr val="tx1"/>
                           </a:solidFill>
@@ -7628,7 +7628,7 @@
                         </a:rPr>
                         <a:t>Quang</a:t>
                       </a:r>
-                      <a:endParaRPr lang="en-US" dirty="0">
+                      <a:endParaRPr lang="en-US">
                         <a:solidFill>
                           <a:schemeClr val="tx1"/>
                         </a:solidFill>
@@ -7645,10 +7645,10 @@
                     <a:lstStyle/>
                     <a:p>
                       <a:r>
-                        <a:rPr lang="en-US" dirty="0" smtClean="0"/>
+                        <a:rPr lang="en-US" smtClean="0"/>
                         <a:t>Load from Source to local</a:t>
                       </a:r>
-                      <a:endParaRPr lang="en-US" dirty="0"/>
+                      <a:endParaRPr lang="en-US"/>
                     </a:p>
                   </a:txBody>
                   <a:tcPr/>
@@ -7660,12 +7660,12 @@
                     <a:p>
                       <a:pPr algn="l"/>
                       <a:r>
-                        <a:rPr lang="en-US" sz="1200" dirty="0" smtClean="0">
+                        <a:rPr lang="en-US" sz="1200" smtClean="0">
                           <a:hlinkClick r:id="rId2"/>
                         </a:rPr>
                         <a:t>https://github.com/ThanhHiep1998/Data-Warehouse-2020_chieu_nhom-15</a:t>
                       </a:r>
-                      <a:endParaRPr lang="en-US" sz="1200" dirty="0">
+                      <a:endParaRPr lang="en-US" sz="1200">
                         <a:solidFill>
                           <a:schemeClr val="tx1"/>
                         </a:solidFill>
@@ -7685,7 +7685,7 @@
                     <a:p>
                       <a:pPr algn="l"/>
                       <a:r>
-                        <a:rPr lang="en-US" dirty="0" smtClean="0">
+                        <a:rPr lang="en-US" smtClean="0">
                           <a:solidFill>
                             <a:schemeClr val="tx1"/>
                           </a:solidFill>
@@ -7694,7 +7694,7 @@
                         </a:rPr>
                         <a:t>17130058</a:t>
                       </a:r>
-                      <a:endParaRPr lang="en-US" dirty="0">
+                      <a:endParaRPr lang="en-US">
                         <a:solidFill>
                           <a:schemeClr val="tx1"/>
                         </a:solidFill>
@@ -7712,7 +7712,7 @@
                     <a:p>
                       <a:pPr algn="l"/>
                       <a:r>
-                        <a:rPr lang="en-US" dirty="0" err="1" smtClean="0">
+                        <a:rPr lang="en-US" err="1" smtClean="0">
                           <a:solidFill>
                             <a:schemeClr val="tx1"/>
                           </a:solidFill>
@@ -7722,7 +7722,7 @@
                         <a:t>Trương</a:t>
                       </a:r>
                       <a:r>
-                        <a:rPr lang="en-US" baseline="0" dirty="0" smtClean="0">
+                        <a:rPr lang="en-US" baseline="0" smtClean="0">
                           <a:solidFill>
                             <a:schemeClr val="tx1"/>
                           </a:solidFill>
@@ -7732,7 +7732,7 @@
                         <a:t> </a:t>
                       </a:r>
                       <a:r>
-                        <a:rPr lang="en-US" baseline="0" dirty="0" err="1" smtClean="0">
+                        <a:rPr lang="en-US" baseline="0" err="1" smtClean="0">
                           <a:solidFill>
                             <a:schemeClr val="tx1"/>
                           </a:solidFill>
@@ -7742,7 +7742,7 @@
                         <a:t>Thị</a:t>
                       </a:r>
                       <a:r>
-                        <a:rPr lang="en-US" baseline="0" dirty="0" smtClean="0">
+                        <a:rPr lang="en-US" baseline="0" smtClean="0">
                           <a:solidFill>
                             <a:schemeClr val="tx1"/>
                           </a:solidFill>
@@ -7752,7 +7752,7 @@
                         <a:t> </a:t>
                       </a:r>
                       <a:r>
-                        <a:rPr lang="en-US" baseline="0" dirty="0" err="1" smtClean="0">
+                        <a:rPr lang="en-US" baseline="0" err="1" smtClean="0">
                           <a:solidFill>
                             <a:schemeClr val="tx1"/>
                           </a:solidFill>
@@ -7762,7 +7762,7 @@
                         <a:t>Mỹ</a:t>
                       </a:r>
                       <a:r>
-                        <a:rPr lang="en-US" baseline="0" dirty="0" smtClean="0">
+                        <a:rPr lang="en-US" baseline="0" smtClean="0">
                           <a:solidFill>
                             <a:schemeClr val="tx1"/>
                           </a:solidFill>
@@ -7772,7 +7772,7 @@
                         <a:t> </a:t>
                       </a:r>
                       <a:r>
-                        <a:rPr lang="en-US" baseline="0" dirty="0" err="1" smtClean="0">
+                        <a:rPr lang="en-US" baseline="0" err="1" smtClean="0">
                           <a:solidFill>
                             <a:schemeClr val="tx1"/>
                           </a:solidFill>
@@ -7781,7 +7781,7 @@
                         </a:rPr>
                         <a:t>Hảo</a:t>
                       </a:r>
-                      <a:endParaRPr lang="en-US" dirty="0">
+                      <a:endParaRPr lang="en-US">
                         <a:solidFill>
                           <a:schemeClr val="tx1"/>
                         </a:solidFill>
@@ -7798,18 +7798,14 @@
                     <a:lstStyle/>
                     <a:p>
                       <a:r>
-                        <a:rPr lang="en-US" dirty="0" smtClean="0"/>
+                        <a:rPr lang="en-US" smtClean="0"/>
                         <a:t>Load</a:t>
                       </a:r>
                       <a:r>
-                        <a:rPr lang="en-US" baseline="0" dirty="0" smtClean="0"/>
-                        <a:t> from Local </a:t>
+                        <a:rPr lang="en-US" baseline="0" smtClean="0"/>
+                        <a:t> from Local to Staging</a:t>
                       </a:r>
-                      <a:r>
-                        <a:rPr lang="en-US" baseline="0" smtClean="0"/>
-                        <a:t>to Staging</a:t>
-                      </a:r>
-                      <a:endParaRPr lang="en-US" dirty="0"/>
+                      <a:endParaRPr lang="en-US"/>
                     </a:p>
                   </a:txBody>
                   <a:tcPr/>
@@ -7821,12 +7817,12 @@
                     <a:p>
                       <a:pPr algn="l"/>
                       <a:r>
-                        <a:rPr lang="en-US" sz="1200" dirty="0" smtClean="0">
+                        <a:rPr lang="en-US" sz="1200" smtClean="0">
                           <a:hlinkClick r:id="rId2"/>
                         </a:rPr>
                         <a:t>https://github.com/ThanhHiep1998/Data-Warehouse-2020_chieu_nhom-15</a:t>
                       </a:r>
-                      <a:endParaRPr lang="en-US" sz="1200" dirty="0">
+                      <a:endParaRPr lang="en-US" sz="1200">
                         <a:solidFill>
                           <a:schemeClr val="tx1"/>
                         </a:solidFill>
@@ -7855,7 +7851,7 @@
                         </a:rPr>
                         <a:t>16130373</a:t>
                       </a:r>
-                      <a:endParaRPr lang="en-US" dirty="0">
+                      <a:endParaRPr lang="en-US">
                         <a:solidFill>
                           <a:schemeClr val="tx1"/>
                         </a:solidFill>
@@ -7873,7 +7869,7 @@
                     <a:p>
                       <a:pPr algn="l"/>
                       <a:r>
-                        <a:rPr lang="en-US" dirty="0" err="1" smtClean="0">
+                        <a:rPr lang="en-US" err="1" smtClean="0">
                           <a:solidFill>
                             <a:schemeClr val="tx1"/>
                           </a:solidFill>
@@ -7883,7 +7879,7 @@
                         <a:t>Hồ</a:t>
                       </a:r>
                       <a:r>
-                        <a:rPr lang="en-US" baseline="0" dirty="0" smtClean="0">
+                        <a:rPr lang="en-US" baseline="0" smtClean="0">
                           <a:solidFill>
                             <a:schemeClr val="tx1"/>
                           </a:solidFill>
@@ -7893,7 +7889,7 @@
                         <a:t> Thanh </a:t>
                       </a:r>
                       <a:r>
-                        <a:rPr lang="en-US" baseline="0" dirty="0" err="1" smtClean="0">
+                        <a:rPr lang="en-US" baseline="0" err="1" smtClean="0">
                           <a:solidFill>
                             <a:schemeClr val="tx1"/>
                           </a:solidFill>
@@ -7902,7 +7898,7 @@
                         </a:rPr>
                         <a:t>Hiệp</a:t>
                       </a:r>
-                      <a:endParaRPr lang="en-US" dirty="0">
+                      <a:endParaRPr lang="en-US">
                         <a:solidFill>
                           <a:schemeClr val="tx1"/>
                         </a:solidFill>
@@ -7919,10 +7915,10 @@
                     <a:lstStyle/>
                     <a:p>
                       <a:r>
-                        <a:rPr lang="en-US" dirty="0" smtClean="0"/>
+                        <a:rPr lang="en-US" smtClean="0"/>
                         <a:t>Load from Staging to DW</a:t>
                       </a:r>
-                      <a:endParaRPr lang="en-US" dirty="0"/>
+                      <a:endParaRPr lang="en-US"/>
                     </a:p>
                   </a:txBody>
                   <a:tcPr/>
@@ -7934,12 +7930,12 @@
                     <a:p>
                       <a:pPr algn="l"/>
                       <a:r>
-                        <a:rPr lang="en-US" sz="1200" dirty="0" smtClean="0">
+                        <a:rPr lang="en-US" sz="1200" smtClean="0">
                           <a:hlinkClick r:id="rId2"/>
                         </a:rPr>
                         <a:t>https://github.com/ThanhHiep1998/Data-Warehouse-2020_chieu_nhom-15</a:t>
                       </a:r>
-                      <a:endParaRPr lang="en-US" sz="1200" dirty="0">
+                      <a:endParaRPr lang="en-US" sz="1200">
                         <a:solidFill>
                           <a:schemeClr val="tx1"/>
                         </a:solidFill>
@@ -8024,7 +8020,7 @@
         <p:spPr>
           <a:xfrm>
             <a:off x="152400" y="152400"/>
-            <a:ext cx="5891100" cy="584775"/>
+            <a:ext cx="6587829" cy="584775"/>
           </a:xfrm>
           <a:prstGeom prst="rect">
             <a:avLst/>
@@ -8038,71 +8034,71 @@
           <a:lstStyle/>
           <a:p>
             <a:r>
-              <a:rPr lang="en-US" sz="3200" dirty="0" smtClean="0">
-                <a:latin typeface="Times New Roman" pitchFamily="18" charset="0"/>
-                <a:cs typeface="Times New Roman" pitchFamily="18" charset="0"/>
+              <a:rPr lang="en-US" sz="3200" smtClean="0">
+                <a:latin typeface="Arial" panose="020B0604020202020204" pitchFamily="34" charset="0"/>
+                <a:cs typeface="Arial" panose="020B0604020202020204" pitchFamily="34" charset="0"/>
               </a:rPr>
               <a:t>1. </a:t>
             </a:r>
             <a:r>
-              <a:rPr lang="en-US" sz="3200" dirty="0" err="1" smtClean="0">
-                <a:latin typeface="Times New Roman" pitchFamily="18" charset="0"/>
-                <a:cs typeface="Times New Roman" pitchFamily="18" charset="0"/>
+              <a:rPr lang="en-US" sz="3200" err="1" smtClean="0">
+                <a:latin typeface="Arial" panose="020B0604020202020204" pitchFamily="34" charset="0"/>
+                <a:cs typeface="Arial" panose="020B0604020202020204" pitchFamily="34" charset="0"/>
               </a:rPr>
               <a:t>Sơ</a:t>
             </a:r>
             <a:r>
-              <a:rPr lang="en-US" sz="3200" dirty="0" smtClean="0">
-                <a:latin typeface="Times New Roman" pitchFamily="18" charset="0"/>
-                <a:cs typeface="Times New Roman" pitchFamily="18" charset="0"/>
+              <a:rPr lang="en-US" sz="3200" smtClean="0">
+                <a:latin typeface="Arial" panose="020B0604020202020204" pitchFamily="34" charset="0"/>
+                <a:cs typeface="Arial" panose="020B0604020202020204" pitchFamily="34" charset="0"/>
               </a:rPr>
               <a:t> </a:t>
             </a:r>
             <a:r>
-              <a:rPr lang="en-US" sz="3200" dirty="0" err="1" smtClean="0">
-                <a:latin typeface="Times New Roman" pitchFamily="18" charset="0"/>
-                <a:cs typeface="Times New Roman" pitchFamily="18" charset="0"/>
+              <a:rPr lang="en-US" sz="3200" err="1" smtClean="0">
+                <a:latin typeface="Arial" panose="020B0604020202020204" pitchFamily="34" charset="0"/>
+                <a:cs typeface="Arial" panose="020B0604020202020204" pitchFamily="34" charset="0"/>
               </a:rPr>
               <a:t>đồ</a:t>
             </a:r>
             <a:r>
-              <a:rPr lang="en-US" sz="3200" dirty="0" smtClean="0">
-                <a:latin typeface="Times New Roman" pitchFamily="18" charset="0"/>
-                <a:cs typeface="Times New Roman" pitchFamily="18" charset="0"/>
+              <a:rPr lang="en-US" sz="3200" smtClean="0">
+                <a:latin typeface="Arial" panose="020B0604020202020204" pitchFamily="34" charset="0"/>
+                <a:cs typeface="Arial" panose="020B0604020202020204" pitchFamily="34" charset="0"/>
               </a:rPr>
               <a:t> </a:t>
             </a:r>
             <a:r>
-              <a:rPr lang="en-US" sz="3200" dirty="0" err="1" smtClean="0">
-                <a:latin typeface="Times New Roman" pitchFamily="18" charset="0"/>
-                <a:cs typeface="Times New Roman" pitchFamily="18" charset="0"/>
+              <a:rPr lang="en-US" sz="3200" err="1" smtClean="0">
+                <a:latin typeface="Arial" panose="020B0604020202020204" pitchFamily="34" charset="0"/>
+                <a:cs typeface="Arial" panose="020B0604020202020204" pitchFamily="34" charset="0"/>
               </a:rPr>
               <a:t>kiến</a:t>
             </a:r>
             <a:r>
-              <a:rPr lang="en-US" sz="3200" dirty="0" smtClean="0">
-                <a:latin typeface="Times New Roman" pitchFamily="18" charset="0"/>
-                <a:cs typeface="Times New Roman" pitchFamily="18" charset="0"/>
+              <a:rPr lang="en-US" sz="3200" smtClean="0">
+                <a:latin typeface="Arial" panose="020B0604020202020204" pitchFamily="34" charset="0"/>
+                <a:cs typeface="Arial" panose="020B0604020202020204" pitchFamily="34" charset="0"/>
               </a:rPr>
               <a:t> </a:t>
             </a:r>
             <a:r>
-              <a:rPr lang="en-US" sz="3200" dirty="0" err="1" smtClean="0">
-                <a:latin typeface="Times New Roman" pitchFamily="18" charset="0"/>
-                <a:cs typeface="Times New Roman" pitchFamily="18" charset="0"/>
+              <a:rPr lang="en-US" sz="3200" err="1" smtClean="0">
+                <a:latin typeface="Arial" panose="020B0604020202020204" pitchFamily="34" charset="0"/>
+                <a:cs typeface="Arial" panose="020B0604020202020204" pitchFamily="34" charset="0"/>
               </a:rPr>
               <a:t>trúc</a:t>
             </a:r>
             <a:r>
-              <a:rPr lang="en-US" sz="3200" dirty="0" smtClean="0">
-                <a:latin typeface="Times New Roman" pitchFamily="18" charset="0"/>
-                <a:cs typeface="Times New Roman" pitchFamily="18" charset="0"/>
+              <a:rPr lang="en-US" sz="3200" smtClean="0">
+                <a:latin typeface="Arial" panose="020B0604020202020204" pitchFamily="34" charset="0"/>
+                <a:cs typeface="Arial" panose="020B0604020202020204" pitchFamily="34" charset="0"/>
               </a:rPr>
               <a:t> Data Warehouse</a:t>
             </a:r>
-            <a:endParaRPr lang="en-US" sz="3200" dirty="0">
-              <a:latin typeface="Times New Roman" pitchFamily="18" charset="0"/>
-              <a:cs typeface="Times New Roman" pitchFamily="18" charset="0"/>
+            <a:endParaRPr lang="en-US" sz="3200">
+              <a:latin typeface="Arial" panose="020B0604020202020204" pitchFamily="34" charset="0"/>
+              <a:cs typeface="Arial" panose="020B0604020202020204" pitchFamily="34" charset="0"/>
             </a:endParaRPr>
           </a:p>
         </p:txBody>
@@ -8214,7 +8210,7 @@
           <a:lstStyle/>
           <a:p>
             <a:r>
-              <a:rPr lang="en-US" sz="4000" dirty="0">
+              <a:rPr lang="en-US" sz="4000">
                 <a:latin typeface="Arial" panose="020B0604020202020204" pitchFamily="34" charset="0"/>
                 <a:cs typeface="Arial" panose="020B0604020202020204" pitchFamily="34" charset="0"/>
               </a:rPr>
@@ -8246,13 +8242,13 @@
           <a:lstStyle/>
           <a:p>
             <a:r>
-              <a:rPr lang="en-US" sz="2800" dirty="0" smtClean="0">
+              <a:rPr lang="en-US" sz="2800" smtClean="0">
                 <a:latin typeface="Arial" panose="020B0604020202020204" pitchFamily="34" charset="0"/>
                 <a:cs typeface="Arial" panose="020B0604020202020204" pitchFamily="34" charset="0"/>
               </a:rPr>
               <a:t>2.1 Download file from Server Source</a:t>
             </a:r>
-            <a:endParaRPr lang="en-US" sz="2800" dirty="0">
+            <a:endParaRPr lang="en-US" sz="2800">
               <a:latin typeface="Arial" panose="020B0604020202020204" pitchFamily="34" charset="0"/>
               <a:cs typeface="Arial" panose="020B0604020202020204" pitchFamily="34" charset="0"/>
             </a:endParaRPr>
@@ -8383,13 +8379,13 @@
           <a:lstStyle/>
           <a:p>
             <a:r>
-              <a:rPr lang="en-US" sz="2800" dirty="0" smtClean="0">
+              <a:rPr lang="en-US" sz="2800" smtClean="0">
                 <a:latin typeface="Arial" panose="020B0604020202020204" pitchFamily="34" charset="0"/>
                 <a:cs typeface="Arial" panose="020B0604020202020204" pitchFamily="34" charset="0"/>
               </a:rPr>
               <a:t>2.2 Load file to database staging</a:t>
             </a:r>
-            <a:endParaRPr lang="en-US" sz="2800" dirty="0">
+            <a:endParaRPr lang="en-US" sz="2800">
               <a:latin typeface="Arial" panose="020B0604020202020204" pitchFamily="34" charset="0"/>
               <a:cs typeface="Arial" panose="020B0604020202020204" pitchFamily="34" charset="0"/>
             </a:endParaRPr>
@@ -8521,13 +8517,13 @@
           <a:p>
             <a:pPr algn="l"/>
             <a:r>
-              <a:rPr lang="en-US" sz="2800" dirty="0" smtClean="0">
+              <a:rPr lang="en-US" sz="2800" smtClean="0">
                 <a:latin typeface="Arial" panose="020B0604020202020204" pitchFamily="34" charset="0"/>
                 <a:cs typeface="Arial" panose="020B0604020202020204" pitchFamily="34" charset="0"/>
               </a:rPr>
               <a:t>2.3 Load file to Data Warehouse</a:t>
             </a:r>
-            <a:endParaRPr lang="en-US" sz="2800" dirty="0">
+            <a:endParaRPr lang="en-US" sz="2800">
               <a:latin typeface="Arial" panose="020B0604020202020204" pitchFamily="34" charset="0"/>
               <a:cs typeface="Arial" panose="020B0604020202020204" pitchFamily="34" charset="0"/>
             </a:endParaRPr>

--- a/DataWarehouse_2020_chieu_nhom15.pptx
+++ b/DataWarehouse_2020_chieu_nhom15.pptx
@@ -1416,7 +1416,7 @@
           </a:ln>
           <a:extLst>
             <a:ext uri="{91240B29-F687-4f45-9708-019B960494DF}">
-              <a14:hiddenLine xmlns:a14="http://schemas.microsoft.com/office/drawing/2010/main" xmlns="" w="9525">
+              <a14:hiddenLine xmlns="" xmlns:a14="http://schemas.microsoft.com/office/drawing/2010/main" w="9525">
                 <a:solidFill>
                   <a:srgbClr val="000000"/>
                 </a:solidFill>
@@ -1471,7 +1471,7 @@
           </a:ln>
           <a:extLst>
             <a:ext uri="{91240B29-F687-4f45-9708-019B960494DF}">
-              <a14:hiddenLine xmlns:a14="http://schemas.microsoft.com/office/drawing/2010/main" xmlns="" w="9525">
+              <a14:hiddenLine xmlns="" xmlns:a14="http://schemas.microsoft.com/office/drawing/2010/main" w="9525">
                 <a:solidFill>
                   <a:srgbClr val="000000"/>
                 </a:solidFill>
@@ -8143,7 +8143,7 @@
         <p:spPr>
           <a:xfrm>
             <a:off x="1066800" y="867201"/>
-            <a:ext cx="6734175" cy="5981700"/>
+            <a:ext cx="6734175" cy="5762199"/>
           </a:xfrm>
           <a:prstGeom prst="rect">
             <a:avLst/>
@@ -8417,7 +8417,7 @@
       </p:sp>
       <p:pic>
         <p:nvPicPr>
-          <p:cNvPr id="1026" name="Picture 2" descr="https://scontent.fvca1-2.fna.fbcdn.net/v/t1.15752-9/105886571_713642579451591_4577361895435123020_n.png?_nc_cat=100&amp;_nc_sid=b96e70&amp;_nc_oc=AQmvtPwhEYb2QpMhy7kckeeskRYMy46ggCSfkXxzy951JcPacOlv5w0IqgqalleqYhGo6PZTgr4Pl-BsRsNAU9uX&amp;_nc_ht=scontent.fvca1-2.fna&amp;oh=9c9920805ffcff00f53705697352ddf2&amp;oe=5F1F609F"/>
+          <p:cNvPr id="1028" name="Picture 4" descr="https://scontent.fvca1-1.fna.fbcdn.net/v/t1.15752-9/106422520_1356845694706387_3632376569978233888_n.png?_nc_cat=105&amp;_nc_sid=b96e70&amp;_nc_oc=AQlumUuRIaRPUGAefm-ziBPeZwiHHmNqISqnclrR2KLjN2lb4iVwh1xsVug4eD_5yalb-ZpTWC26ptWJYmXnraTa&amp;_nc_ht=scontent.fvca1-1.fna&amp;oh=a3e7f5489c8b15a91a942d986d026593&amp;oe=5F20A818"/>
           <p:cNvPicPr>
             <a:picLocks noChangeAspect="1" noChangeArrowheads="1"/>
           </p:cNvPicPr>
@@ -8438,8 +8438,8 @@
         </p:blipFill>
         <p:spPr bwMode="auto">
           <a:xfrm>
-            <a:off x="381000" y="1219200"/>
-            <a:ext cx="8307742" cy="4572000"/>
+            <a:off x="228600" y="1447800"/>
+            <a:ext cx="8658637" cy="4395788"/>
           </a:xfrm>
           <a:prstGeom prst="rect">
             <a:avLst/>

--- a/DataWarehouse_2020_chieu_nhom15.pptx
+++ b/DataWarehouse_2020_chieu_nhom15.pptx
@@ -1416,7 +1416,7 @@
           </a:ln>
           <a:extLst>
             <a:ext uri="{91240B29-F687-4f45-9708-019B960494DF}">
-              <a14:hiddenLine xmlns="" xmlns:a14="http://schemas.microsoft.com/office/drawing/2010/main" w="9525">
+              <a14:hiddenLine xmlns:a14="http://schemas.microsoft.com/office/drawing/2010/main" xmlns="" w="9525">
                 <a:solidFill>
                   <a:srgbClr val="000000"/>
                 </a:solidFill>
@@ -1471,7 +1471,7 @@
           </a:ln>
           <a:extLst>
             <a:ext uri="{91240B29-F687-4f45-9708-019B960494DF}">
-              <a14:hiddenLine xmlns="" xmlns:a14="http://schemas.microsoft.com/office/drawing/2010/main" w="9525">
+              <a14:hiddenLine xmlns:a14="http://schemas.microsoft.com/office/drawing/2010/main" xmlns="" w="9525">
                 <a:solidFill>
                   <a:srgbClr val="000000"/>
                 </a:solidFill>
@@ -8128,7 +8128,7 @@
       </p:sp>
       <p:pic>
         <p:nvPicPr>
-          <p:cNvPr id="2" name="Picture 1"/>
+          <p:cNvPr id="5" name="Picture 4"/>
           <p:cNvPicPr>
             <a:picLocks noChangeAspect="1"/>
           </p:cNvPicPr>
@@ -8142,8 +8142,8 @@
         </p:blipFill>
         <p:spPr>
           <a:xfrm>
-            <a:off x="1066800" y="867201"/>
-            <a:ext cx="6734175" cy="5762199"/>
+            <a:off x="671908" y="1223435"/>
+            <a:ext cx="7800975" cy="5067300"/>
           </a:xfrm>
           <a:prstGeom prst="rect">
             <a:avLst/>
@@ -8555,7 +8555,7 @@
       </p:sp>
       <p:pic>
         <p:nvPicPr>
-          <p:cNvPr id="5" name="Picture 4"/>
+          <p:cNvPr id="3" name="Picture 2"/>
           <p:cNvPicPr>
             <a:picLocks noChangeAspect="1"/>
           </p:cNvPicPr>
@@ -8569,8 +8569,8 @@
         </p:blipFill>
         <p:spPr>
           <a:xfrm>
-            <a:off x="1447800" y="838200"/>
-            <a:ext cx="5943600" cy="5769665"/>
+            <a:off x="2286000" y="838200"/>
+            <a:ext cx="4133850" cy="5924550"/>
           </a:xfrm>
           <a:prstGeom prst="rect">
             <a:avLst/>

--- a/DataWarehouse_2020_chieu_nhom15.pptx
+++ b/DataWarehouse_2020_chieu_nhom15.pptx
@@ -1416,7 +1416,7 @@
           </a:ln>
           <a:extLst>
             <a:ext uri="{91240B29-F687-4f45-9708-019B960494DF}">
-              <a14:hiddenLine xmlns:a14="http://schemas.microsoft.com/office/drawing/2010/main" xmlns="" w="9525">
+              <a14:hiddenLine xmlns="" xmlns:a14="http://schemas.microsoft.com/office/drawing/2010/main" w="9525">
                 <a:solidFill>
                   <a:srgbClr val="000000"/>
                 </a:solidFill>
@@ -1471,7 +1471,7 @@
           </a:ln>
           <a:extLst>
             <a:ext uri="{91240B29-F687-4f45-9708-019B960494DF}">
-              <a14:hiddenLine xmlns:a14="http://schemas.microsoft.com/office/drawing/2010/main" xmlns="" w="9525">
+              <a14:hiddenLine xmlns="" xmlns:a14="http://schemas.microsoft.com/office/drawing/2010/main" w="9525">
                 <a:solidFill>
                   <a:srgbClr val="000000"/>
                 </a:solidFill>
@@ -8128,7 +8128,7 @@
       </p:sp>
       <p:pic>
         <p:nvPicPr>
-          <p:cNvPr id="5" name="Picture 4"/>
+          <p:cNvPr id="2" name="Picture 1"/>
           <p:cNvPicPr>
             <a:picLocks noChangeAspect="1"/>
           </p:cNvPicPr>
@@ -8142,8 +8142,8 @@
         </p:blipFill>
         <p:spPr>
           <a:xfrm>
-            <a:off x="671908" y="1223435"/>
-            <a:ext cx="7800975" cy="5067300"/>
+            <a:off x="685801" y="819669"/>
+            <a:ext cx="7561794" cy="5685474"/>
           </a:xfrm>
           <a:prstGeom prst="rect">
             <a:avLst/>

--- a/DataWarehouse_2020_chieu_nhom15.pptx
+++ b/DataWarehouse_2020_chieu_nhom15.pptx
@@ -1416,7 +1416,7 @@
           </a:ln>
           <a:extLst>
             <a:ext uri="{91240B29-F687-4f45-9708-019B960494DF}">
-              <a14:hiddenLine xmlns="" xmlns:a14="http://schemas.microsoft.com/office/drawing/2010/main" w="9525">
+              <a14:hiddenLine xmlns:a14="http://schemas.microsoft.com/office/drawing/2010/main" xmlns="" w="9525">
                 <a:solidFill>
                   <a:srgbClr val="000000"/>
                 </a:solidFill>
@@ -1471,7 +1471,7 @@
           </a:ln>
           <a:extLst>
             <a:ext uri="{91240B29-F687-4f45-9708-019B960494DF}">
-              <a14:hiddenLine xmlns="" xmlns:a14="http://schemas.microsoft.com/office/drawing/2010/main" w="9525">
+              <a14:hiddenLine xmlns:a14="http://schemas.microsoft.com/office/drawing/2010/main" xmlns="" w="9525">
                 <a:solidFill>
                   <a:srgbClr val="000000"/>
                 </a:solidFill>
@@ -8128,7 +8128,7 @@
       </p:sp>
       <p:pic>
         <p:nvPicPr>
-          <p:cNvPr id="2" name="Picture 1"/>
+          <p:cNvPr id="3" name="Picture 2"/>
           <p:cNvPicPr>
             <a:picLocks noChangeAspect="1"/>
           </p:cNvPicPr>
@@ -8142,8 +8142,8 @@
         </p:blipFill>
         <p:spPr>
           <a:xfrm>
-            <a:off x="685801" y="819669"/>
-            <a:ext cx="7561794" cy="5685474"/>
+            <a:off x="757633" y="767823"/>
+            <a:ext cx="7715250" cy="5705475"/>
           </a:xfrm>
           <a:prstGeom prst="rect">
             <a:avLst/>

--- a/DataWarehouse_2020_chieu_nhom15.pptx
+++ b/DataWarehouse_2020_chieu_nhom15.pptx
@@ -5,18 +5,17 @@
     <p:sldMasterId id="2147483780" r:id="rId1"/>
   </p:sldMasterIdLst>
   <p:notesMasterIdLst>
-    <p:notesMasterId r:id="rId8"/>
+    <p:notesMasterId r:id="rId7"/>
   </p:notesMasterIdLst>
   <p:handoutMasterIdLst>
-    <p:handoutMasterId r:id="rId9"/>
+    <p:handoutMasterId r:id="rId8"/>
   </p:handoutMasterIdLst>
   <p:sldIdLst>
     <p:sldId id="256" r:id="rId2"/>
     <p:sldId id="260" r:id="rId3"/>
     <p:sldId id="257" r:id="rId4"/>
     <p:sldId id="258" r:id="rId5"/>
-    <p:sldId id="259" r:id="rId6"/>
-    <p:sldId id="261" r:id="rId7"/>
+    <p:sldId id="261" r:id="rId6"/>
   </p:sldIdLst>
   <p:sldSz cx="9144000" cy="6858000" type="screen4x3"/>
   <p:notesSz cx="6858000" cy="9144000"/>
@@ -128,7 +127,6 @@
           <p14:sldIdLst>
             <p14:sldId id="257"/>
             <p14:sldId id="258"/>
-            <p14:sldId id="259"/>
             <p14:sldId id="261"/>
           </p14:sldIdLst>
         </p14:section>
@@ -238,7 +236,7 @@
           <a:p>
             <a:fld id="{F780AEA8-5F38-4ECE-A5D9-F5337670C0F8}" type="datetimeFigureOut">
               <a:rPr lang="en-US" smtClean="0"/>
-              <a:t>6/29/2020</a:t>
+              <a:t>8/10/2020</a:t>
             </a:fld>
             <a:endParaRPr lang="en-US"/>
           </a:p>
@@ -408,7 +406,7 @@
           <a:p>
             <a:fld id="{69C9B0C7-7F1E-4F6B-9AC4-424F85C7F336}" type="datetimeFigureOut">
               <a:rPr lang="en-US" smtClean="0"/>
-              <a:t>6/29/2020</a:t>
+              <a:t>8/10/2020</a:t>
             </a:fld>
             <a:endParaRPr lang="en-US"/>
           </a:p>
@@ -1315,7 +1313,7 @@
           <a:p>
             <a:fld id="{F0C4CE9D-7725-43A8-98BF-700C25864E51}" type="datetime1">
               <a:rPr lang="en-US" smtClean="0"/>
-              <a:t>6/29/2020</a:t>
+              <a:t>8/10/2020</a:t>
             </a:fld>
             <a:endParaRPr lang="en-US"/>
           </a:p>
@@ -1416,7 +1414,7 @@
           </a:ln>
           <a:extLst>
             <a:ext uri="{91240B29-F687-4f45-9708-019B960494DF}">
-              <a14:hiddenLine xmlns:a14="http://schemas.microsoft.com/office/drawing/2010/main" xmlns="" w="9525">
+              <a14:hiddenLine xmlns="" xmlns:a14="http://schemas.microsoft.com/office/drawing/2010/main" w="9525">
                 <a:solidFill>
                   <a:srgbClr val="000000"/>
                 </a:solidFill>
@@ -1471,7 +1469,7 @@
           </a:ln>
           <a:extLst>
             <a:ext uri="{91240B29-F687-4f45-9708-019B960494DF}">
-              <a14:hiddenLine xmlns:a14="http://schemas.microsoft.com/office/drawing/2010/main" xmlns="" w="9525">
+              <a14:hiddenLine xmlns="" xmlns:a14="http://schemas.microsoft.com/office/drawing/2010/main" w="9525">
                 <a:solidFill>
                   <a:srgbClr val="000000"/>
                 </a:solidFill>
@@ -1726,7 +1724,7 @@
           <a:p>
             <a:fld id="{5E8F2687-4B16-4E7C-8FB8-23D841B74231}" type="datetime1">
               <a:rPr lang="en-US" smtClean="0"/>
-              <a:t>6/29/2020</a:t>
+              <a:t>8/10/2020</a:t>
             </a:fld>
             <a:endParaRPr lang="en-US"/>
           </a:p>
@@ -1975,7 +1973,7 @@
           <a:p>
             <a:fld id="{5E8F2687-4B16-4E7C-8FB8-23D841B74231}" type="datetime1">
               <a:rPr lang="en-US" smtClean="0"/>
-              <a:t>6/29/2020</a:t>
+              <a:t>8/10/2020</a:t>
             </a:fld>
             <a:endParaRPr lang="en-US"/>
           </a:p>
@@ -2516,7 +2514,7 @@
           <a:p>
             <a:fld id="{5E8F2687-4B16-4E7C-8FB8-23D841B74231}" type="datetime1">
               <a:rPr lang="en-US" smtClean="0"/>
-              <a:t>6/29/2020</a:t>
+              <a:t>8/10/2020</a:t>
             </a:fld>
             <a:endParaRPr lang="en-US"/>
           </a:p>
@@ -2765,7 +2763,7 @@
           <a:p>
             <a:fld id="{5E8F2687-4B16-4E7C-8FB8-23D841B74231}" type="datetime1">
               <a:rPr lang="en-US" smtClean="0"/>
-              <a:t>6/29/2020</a:t>
+              <a:t>8/10/2020</a:t>
             </a:fld>
             <a:endParaRPr lang="en-US"/>
           </a:p>
@@ -3298,7 +3296,7 @@
           <a:p>
             <a:fld id="{5E8F2687-4B16-4E7C-8FB8-23D841B74231}" type="datetime1">
               <a:rPr lang="en-US" smtClean="0"/>
-              <a:t>6/29/2020</a:t>
+              <a:t>8/10/2020</a:t>
             </a:fld>
             <a:endParaRPr lang="en-US"/>
           </a:p>
@@ -3596,7 +3594,7 @@
           <a:p>
             <a:fld id="{5E8F2687-4B16-4E7C-8FB8-23D841B74231}" type="datetime1">
               <a:rPr lang="en-US" smtClean="0"/>
-              <a:t>6/29/2020</a:t>
+              <a:t>8/10/2020</a:t>
             </a:fld>
             <a:endParaRPr lang="en-US"/>
           </a:p>
@@ -3771,7 +3769,7 @@
           <a:p>
             <a:fld id="{238513A2-3E2F-425F-AD68-A2408D84D815}" type="datetime1">
               <a:rPr lang="en-US" smtClean="0"/>
-              <a:t>6/29/2020</a:t>
+              <a:t>8/10/2020</a:t>
             </a:fld>
             <a:endParaRPr lang="en-US"/>
           </a:p>
@@ -3951,7 +3949,7 @@
           <a:p>
             <a:fld id="{863958B2-29AE-4EF1-8DF0-A917DC00BEA0}" type="datetime1">
               <a:rPr lang="en-US" smtClean="0"/>
-              <a:t>6/29/2020</a:t>
+              <a:t>8/10/2020</a:t>
             </a:fld>
             <a:endParaRPr lang="en-US"/>
           </a:p>
@@ -4136,7 +4134,7 @@
           <a:p>
             <a:fld id="{DCF1469B-1F93-476A-B82E-CC38CC176FD3}" type="datetime1">
               <a:rPr lang="en-US" smtClean="0"/>
-              <a:t>6/29/2020</a:t>
+              <a:t>8/10/2020</a:t>
             </a:fld>
             <a:endParaRPr lang="en-US"/>
           </a:p>
@@ -4392,7 +4390,7 @@
           <a:p>
             <a:fld id="{9ADD6871-AA85-468F-A337-48C3005ABF0D}" type="datetime1">
               <a:rPr lang="en-US" smtClean="0"/>
-              <a:t>6/29/2020</a:t>
+              <a:t>8/10/2020</a:t>
             </a:fld>
             <a:endParaRPr lang="en-US"/>
           </a:p>
@@ -4694,7 +4692,7 @@
           <a:p>
             <a:fld id="{EAB46C8C-063C-449A-B670-260814863387}" type="datetime1">
               <a:rPr lang="en-US" smtClean="0"/>
-              <a:t>6/29/2020</a:t>
+              <a:t>8/10/2020</a:t>
             </a:fld>
             <a:endParaRPr lang="en-US"/>
           </a:p>
@@ -5136,7 +5134,7 @@
           <a:p>
             <a:fld id="{229EBAA1-7AE6-42F3-9E3A-C9221528597D}" type="datetime1">
               <a:rPr lang="en-US" smtClean="0"/>
-              <a:t>6/29/2020</a:t>
+              <a:t>8/10/2020</a:t>
             </a:fld>
             <a:endParaRPr lang="en-US"/>
           </a:p>
@@ -5254,7 +5252,7 @@
           <a:p>
             <a:fld id="{428DC84F-2007-473B-8392-78F319282999}" type="datetime1">
               <a:rPr lang="en-US" smtClean="0"/>
-              <a:t>6/29/2020</a:t>
+              <a:t>8/10/2020</a:t>
             </a:fld>
             <a:endParaRPr lang="en-US"/>
           </a:p>
@@ -5349,7 +5347,7 @@
           <a:p>
             <a:fld id="{424DAABA-9F15-4ECA-8E23-E229F4859860}" type="datetime1">
               <a:rPr lang="en-US" smtClean="0"/>
-              <a:t>6/29/2020</a:t>
+              <a:t>8/10/2020</a:t>
             </a:fld>
             <a:endParaRPr lang="en-US"/>
           </a:p>
@@ -5632,7 +5630,7 @@
           <a:p>
             <a:fld id="{0C41EC08-1176-4EDD-B800-DF490C1DBDEF}" type="datetime1">
               <a:rPr lang="en-US" smtClean="0"/>
-              <a:t>6/29/2020</a:t>
+              <a:t>8/10/2020</a:t>
             </a:fld>
             <a:endParaRPr lang="en-US"/>
           </a:p>
@@ -5923,7 +5921,7 @@
           <a:p>
             <a:fld id="{D05B581F-683D-47F0-B10F-AC3044E9E9D8}" type="datetime1">
               <a:rPr lang="en-US" smtClean="0"/>
-              <a:t>6/29/2020</a:t>
+              <a:t>8/10/2020</a:t>
             </a:fld>
             <a:endParaRPr lang="en-US"/>
           </a:p>
@@ -6447,7 +6445,7 @@
           <a:p>
             <a:fld id="{5E8F2687-4B16-4E7C-8FB8-23D841B74231}" type="datetime1">
               <a:rPr lang="en-US" smtClean="0"/>
-              <a:t>6/29/2020</a:t>
+              <a:t>8/10/2020</a:t>
             </a:fld>
             <a:endParaRPr lang="en-US"/>
           </a:p>
@@ -8128,22 +8126,28 @@
       </p:sp>
       <p:pic>
         <p:nvPicPr>
-          <p:cNvPr id="3" name="Picture 2"/>
+          <p:cNvPr id="2" name="Picture 1"/>
           <p:cNvPicPr>
             <a:picLocks noChangeAspect="1"/>
           </p:cNvPicPr>
           <p:nvPr/>
         </p:nvPicPr>
         <p:blipFill>
-          <a:blip r:embed="rId2"/>
+          <a:blip r:embed="rId2">
+            <a:extLst>
+              <a:ext uri="{28A0092B-C50C-407E-A947-70E740481C1C}">
+                <a14:useLocalDpi xmlns:a14="http://schemas.microsoft.com/office/drawing/2010/main" val="0"/>
+              </a:ext>
+            </a:extLst>
+          </a:blip>
           <a:stretch>
             <a:fillRect/>
           </a:stretch>
         </p:blipFill>
         <p:spPr>
           <a:xfrm>
-            <a:off x="757633" y="767823"/>
-            <a:ext cx="7715250" cy="5705475"/>
+            <a:off x="721057" y="1057548"/>
+            <a:ext cx="7723393" cy="5415750"/>
           </a:xfrm>
           <a:prstGeom prst="rect">
             <a:avLst/>
@@ -8280,9 +8284,9 @@
       </p:sp>
       <p:pic>
         <p:nvPicPr>
-          <p:cNvPr id="2050" name="Picture 2" descr="https://scontent.fdad2-1.fna.fbcdn.net/v/t1.15752-9/106194388_902699696908319_4167008861102120104_n.png?_nc_cat=108&amp;_nc_sid=b96e70&amp;_nc_oc=AQlz8_oXGNhl6mMzoRr9tW3kUfvc1_SUlC7it-OCH375dSGc6GtKTm3dOuQzzYrk-m-uS0is2tAyUhJT_FsLbm-L&amp;_nc_ht=scontent.fdad2-1.fna&amp;oh=41329d18e8ce85cbc6ac1625e14f75b3&amp;oe=5F1D45F4"/>
+          <p:cNvPr id="2" name="Picture 1"/>
           <p:cNvPicPr>
-            <a:picLocks noChangeAspect="1" noChangeArrowheads="1"/>
+            <a:picLocks noChangeAspect="1"/>
           </p:cNvPicPr>
           <p:nvPr/>
         </p:nvPicPr>
@@ -8294,29 +8298,18 @@
               </a:ext>
             </a:extLst>
           </a:blip>
-          <a:srcRect/>
           <a:stretch>
             <a:fillRect/>
           </a:stretch>
         </p:blipFill>
-        <p:spPr bwMode="auto">
+        <p:spPr>
           <a:xfrm>
-            <a:off x="762000" y="1318460"/>
-            <a:ext cx="7643931" cy="5310940"/>
+            <a:off x="2531637" y="1251933"/>
+            <a:ext cx="4011627" cy="5421401"/>
           </a:xfrm>
           <a:prstGeom prst="rect">
             <a:avLst/>
           </a:prstGeom>
-          <a:noFill/>
-          <a:extLst>
-            <a:ext uri="{909E8E84-426E-40DD-AFC4-6F175D3DCCD1}">
-              <a14:hiddenFill xmlns:a14="http://schemas.microsoft.com/office/drawing/2010/main">
-                <a:solidFill>
-                  <a:srgbClr val="FFFFFF"/>
-                </a:solidFill>
-              </a14:hiddenFill>
-            </a:ext>
-          </a:extLst>
         </p:spPr>
       </p:pic>
     </p:spTree>
@@ -8358,32 +8351,33 @@
       </p:grpSpPr>
       <p:sp>
         <p:nvSpPr>
-          <p:cNvPr id="6" name="TextBox 5"/>
-          <p:cNvSpPr txBox="1"/>
-          <p:nvPr/>
+          <p:cNvPr id="2" name="Title 1"/>
+          <p:cNvSpPr>
+            <a:spLocks noGrp="1"/>
+          </p:cNvSpPr>
+          <p:nvPr>
+            <p:ph type="title"/>
+          </p:nvPr>
         </p:nvSpPr>
         <p:spPr>
           <a:xfrm>
             <a:off x="381000" y="304800"/>
-            <a:ext cx="5384807" cy="523220"/>
+            <a:ext cx="5342467" cy="533400"/>
           </a:xfrm>
-          <a:prstGeom prst="rect">
-            <a:avLst/>
-          </a:prstGeom>
-          <a:noFill/>
         </p:spPr>
         <p:txBody>
-          <a:bodyPr wrap="none" rtlCol="0">
-            <a:spAutoFit/>
+          <a:bodyPr>
+            <a:noAutofit/>
           </a:bodyPr>
           <a:lstStyle/>
           <a:p>
+            <a:pPr algn="l"/>
             <a:r>
               <a:rPr lang="en-US" sz="2800" smtClean="0">
                 <a:latin typeface="Arial" panose="020B0604020202020204" pitchFamily="34" charset="0"/>
                 <a:cs typeface="Arial" panose="020B0604020202020204" pitchFamily="34" charset="0"/>
               </a:rPr>
-              <a:t>2.2 Load file to database staging</a:t>
+              <a:t>2.3 Load file to Data Warehouse</a:t>
             </a:r>
             <a:endParaRPr lang="en-US" sz="2800">
               <a:latin typeface="Arial" panose="020B0604020202020204" pitchFamily="34" charset="0"/>
@@ -8394,7 +8388,7 @@
       </p:sp>
       <p:sp>
         <p:nvSpPr>
-          <p:cNvPr id="7" name="Slide Number Placeholder 6"/>
+          <p:cNvPr id="4" name="Slide Number Placeholder 3"/>
           <p:cNvSpPr>
             <a:spLocks noGrp="1"/>
           </p:cNvSpPr>
@@ -8417,9 +8411,9 @@
       </p:sp>
       <p:pic>
         <p:nvPicPr>
-          <p:cNvPr id="1028" name="Picture 4" descr="https://scontent.fvca1-1.fna.fbcdn.net/v/t1.15752-9/106422520_1356845694706387_3632376569978233888_n.png?_nc_cat=105&amp;_nc_sid=b96e70&amp;_nc_oc=AQlumUuRIaRPUGAefm-ziBPeZwiHHmNqISqnclrR2KLjN2lb4iVwh1xsVug4eD_5yalb-ZpTWC26ptWJYmXnraTa&amp;_nc_ht=scontent.fvca1-1.fna&amp;oh=a3e7f5489c8b15a91a942d986d026593&amp;oe=5F20A818"/>
+          <p:cNvPr id="5" name="Picture 4"/>
           <p:cNvPicPr>
-            <a:picLocks noChangeAspect="1" noChangeArrowheads="1"/>
+            <a:picLocks noChangeAspect="1"/>
           </p:cNvPicPr>
           <p:nvPr/>
         </p:nvPicPr>
@@ -8431,146 +8425,14 @@
               </a:ext>
             </a:extLst>
           </a:blip>
-          <a:srcRect/>
-          <a:stretch>
-            <a:fillRect/>
-          </a:stretch>
-        </p:blipFill>
-        <p:spPr bwMode="auto">
-          <a:xfrm>
-            <a:off x="228600" y="1447800"/>
-            <a:ext cx="8658637" cy="4395788"/>
-          </a:xfrm>
-          <a:prstGeom prst="rect">
-            <a:avLst/>
-          </a:prstGeom>
-          <a:noFill/>
-          <a:extLst>
-            <a:ext uri="{909E8E84-426E-40DD-AFC4-6F175D3DCCD1}">
-              <a14:hiddenFill xmlns:a14="http://schemas.microsoft.com/office/drawing/2010/main">
-                <a:solidFill>
-                  <a:srgbClr val="FFFFFF"/>
-                </a:solidFill>
-              </a14:hiddenFill>
-            </a:ext>
-          </a:extLst>
-        </p:spPr>
-      </p:pic>
-    </p:spTree>
-    <p:extLst>
-      <p:ext uri="{BB962C8B-B14F-4D97-AF65-F5344CB8AC3E}">
-        <p14:creationId xmlns:p14="http://schemas.microsoft.com/office/powerpoint/2010/main" val="1792024597"/>
-      </p:ext>
-    </p:extLst>
-  </p:cSld>
-  <p:clrMapOvr>
-    <a:masterClrMapping/>
-  </p:clrMapOvr>
-  <p:timing>
-    <p:tnLst>
-      <p:par>
-        <p:cTn id="1" dur="indefinite" restart="never" nodeType="tmRoot"/>
-      </p:par>
-    </p:tnLst>
-  </p:timing>
-</p:sld>
-</file>
-
-<file path=ppt/slides/slide6.xml><?xml version="1.0" encoding="utf-8"?>
-<p:sld xmlns:a="http://schemas.openxmlformats.org/drawingml/2006/main" xmlns:r="http://schemas.openxmlformats.org/officeDocument/2006/relationships" xmlns:p="http://schemas.openxmlformats.org/presentationml/2006/main">
-  <p:cSld>
-    <p:spTree>
-      <p:nvGrpSpPr>
-        <p:cNvPr id="1" name=""/>
-        <p:cNvGrpSpPr/>
-        <p:nvPr/>
-      </p:nvGrpSpPr>
-      <p:grpSpPr>
-        <a:xfrm>
-          <a:off x="0" y="0"/>
-          <a:ext cx="0" cy="0"/>
-          <a:chOff x="0" y="0"/>
-          <a:chExt cx="0" cy="0"/>
-        </a:xfrm>
-      </p:grpSpPr>
-      <p:sp>
-        <p:nvSpPr>
-          <p:cNvPr id="2" name="Title 1"/>
-          <p:cNvSpPr>
-            <a:spLocks noGrp="1"/>
-          </p:cNvSpPr>
-          <p:nvPr>
-            <p:ph type="title"/>
-          </p:nvPr>
-        </p:nvSpPr>
-        <p:spPr>
-          <a:xfrm>
-            <a:off x="381000" y="304800"/>
-            <a:ext cx="5342467" cy="533400"/>
-          </a:xfrm>
-        </p:spPr>
-        <p:txBody>
-          <a:bodyPr>
-            <a:noAutofit/>
-          </a:bodyPr>
-          <a:lstStyle/>
-          <a:p>
-            <a:pPr algn="l"/>
-            <a:r>
-              <a:rPr lang="en-US" sz="2800" smtClean="0">
-                <a:latin typeface="Arial" panose="020B0604020202020204" pitchFamily="34" charset="0"/>
-                <a:cs typeface="Arial" panose="020B0604020202020204" pitchFamily="34" charset="0"/>
-              </a:rPr>
-              <a:t>2.3 Load file to Data Warehouse</a:t>
-            </a:r>
-            <a:endParaRPr lang="en-US" sz="2800">
-              <a:latin typeface="Arial" panose="020B0604020202020204" pitchFamily="34" charset="0"/>
-              <a:cs typeface="Arial" panose="020B0604020202020204" pitchFamily="34" charset="0"/>
-            </a:endParaRPr>
-          </a:p>
-        </p:txBody>
-      </p:sp>
-      <p:sp>
-        <p:nvSpPr>
-          <p:cNvPr id="4" name="Slide Number Placeholder 3"/>
-          <p:cNvSpPr>
-            <a:spLocks noGrp="1"/>
-          </p:cNvSpPr>
-          <p:nvPr>
-            <p:ph type="sldNum" sz="quarter" idx="12"/>
-          </p:nvPr>
-        </p:nvSpPr>
-        <p:spPr/>
-        <p:txBody>
-          <a:bodyPr/>
-          <a:lstStyle/>
-          <a:p>
-            <a:fld id="{FD761469-6D25-4321-9071-B088DAB7493E}" type="slidenum">
-              <a:rPr lang="en-US" smtClean="0"/>
-              <a:t>6</a:t>
-            </a:fld>
-            <a:endParaRPr lang="en-US"/>
-          </a:p>
-        </p:txBody>
-      </p:sp>
-      <p:pic>
-        <p:nvPicPr>
-          <p:cNvPr id="3" name="Picture 2"/>
-          <p:cNvPicPr>
-            <a:picLocks noChangeAspect="1"/>
-          </p:cNvPicPr>
-          <p:nvPr/>
-        </p:nvPicPr>
-        <p:blipFill>
-          <a:blip r:embed="rId2"/>
           <a:stretch>
             <a:fillRect/>
           </a:stretch>
         </p:blipFill>
         <p:spPr>
           <a:xfrm>
-            <a:off x="2286000" y="838200"/>
-            <a:ext cx="4133850" cy="5924550"/>
+            <a:off x="1295400" y="1161933"/>
+            <a:ext cx="6430167" cy="5311365"/>
           </a:xfrm>
           <a:prstGeom prst="rect">
             <a:avLst/>
